--- a/part_2_MD_analysis.pptx
+++ b/part_2_MD_analysis.pptx
@@ -6,26 +6,25 @@
     <p:sldMasterId id="2147483766" r:id="rId2"/>
   </p:sldMasterIdLst>
   <p:notesMasterIdLst>
-    <p:notesMasterId r:id="rId17"/>
+    <p:notesMasterId r:id="rId16"/>
   </p:notesMasterIdLst>
   <p:handoutMasterIdLst>
-    <p:handoutMasterId r:id="rId18"/>
+    <p:handoutMasterId r:id="rId17"/>
   </p:handoutMasterIdLst>
   <p:sldIdLst>
     <p:sldId id="663" r:id="rId3"/>
-    <p:sldId id="646" r:id="rId4"/>
-    <p:sldId id="647" r:id="rId5"/>
-    <p:sldId id="645" r:id="rId6"/>
-    <p:sldId id="649" r:id="rId7"/>
-    <p:sldId id="650" r:id="rId8"/>
-    <p:sldId id="648" r:id="rId9"/>
-    <p:sldId id="651" r:id="rId10"/>
-    <p:sldId id="665" r:id="rId11"/>
-    <p:sldId id="659" r:id="rId12"/>
-    <p:sldId id="658" r:id="rId13"/>
-    <p:sldId id="662" r:id="rId14"/>
-    <p:sldId id="657" r:id="rId15"/>
-    <p:sldId id="661" r:id="rId16"/>
+    <p:sldId id="647" r:id="rId4"/>
+    <p:sldId id="645" r:id="rId5"/>
+    <p:sldId id="649" r:id="rId6"/>
+    <p:sldId id="650" r:id="rId7"/>
+    <p:sldId id="648" r:id="rId8"/>
+    <p:sldId id="651" r:id="rId9"/>
+    <p:sldId id="665" r:id="rId10"/>
+    <p:sldId id="659" r:id="rId11"/>
+    <p:sldId id="658" r:id="rId12"/>
+    <p:sldId id="662" r:id="rId13"/>
+    <p:sldId id="657" r:id="rId14"/>
+    <p:sldId id="661" r:id="rId15"/>
   </p:sldIdLst>
   <p:sldSz cx="9144000" cy="6858000" type="screen4x3"/>
   <p:notesSz cx="6858000" cy="9144000"/>
@@ -156,7 +155,7 @@
   </p:defaultTextStyle>
   <p:extLst>
     <p:ext uri="{EFAFB233-063F-42B5-8137-9DF3F51BA10A}">
-      <p15:sldGuideLst xmlns:p15="http://schemas.microsoft.com/office/powerpoint/2012/main" xmlns="">
+      <p15:sldGuideLst xmlns:p15="http://schemas.microsoft.com/office/powerpoint/2012/main">
         <p15:guide id="1" orient="horz" pos="816">
           <p15:clr>
             <a:srgbClr val="A4A3A4"/>
@@ -483,7 +482,7 @@
               <a:pPr>
                 <a:defRPr/>
               </a:pPr>
-              <a:t>‹N›</a:t>
+              <a:t>‹#›</a:t>
             </a:fld>
             <a:endParaRPr lang="it-IT" altLang="x-none"/>
           </a:p>
@@ -957,7 +956,7 @@
               <a:pPr>
                 <a:defRPr/>
               </a:pPr>
-              <a:t>‹N›</a:t>
+              <a:t>‹#›</a:t>
             </a:fld>
             <a:endParaRPr lang="it-IT" altLang="x-none"/>
           </a:p>
@@ -1698,7 +1697,7 @@
               <a:pPr>
                 <a:defRPr/>
               </a:pPr>
-              <a:t>14</a:t>
+              <a:t>13</a:t>
             </a:fld>
             <a:endParaRPr lang="it-IT" altLang="x-none"/>
           </a:p>
@@ -1903,7 +1902,7 @@
                 </a:solidFill>
               </a:rPr>
               <a:pPr/>
-              <a:t>15/5/2023</a:t>
+              <a:t>16/05/23</a:t>
             </a:fld>
             <a:endParaRPr lang="it-IT">
               <a:solidFill>
@@ -1964,7 +1963,7 @@
                 </a:solidFill>
               </a:rPr>
               <a:pPr/>
-              <a:t>‹N›</a:t>
+              <a:t>‹#›</a:t>
             </a:fld>
             <a:endParaRPr lang="it-IT">
               <a:solidFill>
@@ -2103,7 +2102,7 @@
                 </a:solidFill>
               </a:rPr>
               <a:pPr/>
-              <a:t>15/5/2023</a:t>
+              <a:t>16/05/23</a:t>
             </a:fld>
             <a:endParaRPr lang="it-IT">
               <a:solidFill>
@@ -2164,7 +2163,7 @@
                 </a:solidFill>
               </a:rPr>
               <a:pPr/>
-              <a:t>‹N›</a:t>
+              <a:t>‹#›</a:t>
             </a:fld>
             <a:endParaRPr lang="it-IT">
               <a:solidFill>
@@ -2313,7 +2312,7 @@
                 </a:solidFill>
               </a:rPr>
               <a:pPr/>
-              <a:t>15/5/2023</a:t>
+              <a:t>16/05/23</a:t>
             </a:fld>
             <a:endParaRPr lang="it-IT">
               <a:solidFill>
@@ -2374,7 +2373,7 @@
                 </a:solidFill>
               </a:rPr>
               <a:pPr/>
-              <a:t>‹N›</a:t>
+              <a:t>‹#›</a:t>
             </a:fld>
             <a:endParaRPr lang="it-IT">
               <a:solidFill>
@@ -3383,7 +3382,7 @@
                 </a:solidFill>
               </a:rPr>
               <a:pPr/>
-              <a:t>15/5/2023</a:t>
+              <a:t>16/05/23</a:t>
             </a:fld>
             <a:endParaRPr lang="it-IT">
               <a:solidFill>
@@ -3444,7 +3443,7 @@
                 </a:solidFill>
               </a:rPr>
               <a:pPr/>
-              <a:t>‹N›</a:t>
+              <a:t>‹#›</a:t>
             </a:fld>
             <a:endParaRPr lang="it-IT">
               <a:solidFill>
@@ -3583,7 +3582,7 @@
                 </a:solidFill>
               </a:rPr>
               <a:pPr/>
-              <a:t>15/5/2023</a:t>
+              <a:t>16/05/23</a:t>
             </a:fld>
             <a:endParaRPr lang="it-IT">
               <a:solidFill>
@@ -3644,7 +3643,7 @@
                 </a:solidFill>
               </a:rPr>
               <a:pPr/>
-              <a:t>‹N›</a:t>
+              <a:t>‹#›</a:t>
             </a:fld>
             <a:endParaRPr lang="it-IT">
               <a:solidFill>
@@ -3860,7 +3859,7 @@
                 </a:solidFill>
               </a:rPr>
               <a:pPr/>
-              <a:t>15/5/2023</a:t>
+              <a:t>16/05/23</a:t>
             </a:fld>
             <a:endParaRPr lang="it-IT">
               <a:solidFill>
@@ -3921,7 +3920,7 @@
                 </a:solidFill>
               </a:rPr>
               <a:pPr/>
-              <a:t>‹N›</a:t>
+              <a:t>‹#›</a:t>
             </a:fld>
             <a:endParaRPr lang="it-IT">
               <a:solidFill>
@@ -4060,7 +4059,7 @@
                 </a:solidFill>
               </a:rPr>
               <a:pPr/>
-              <a:t>15/5/2023</a:t>
+              <a:t>16/05/23</a:t>
             </a:fld>
             <a:endParaRPr lang="it-IT">
               <a:solidFill>
@@ -4121,7 +4120,7 @@
                 </a:solidFill>
               </a:rPr>
               <a:pPr/>
-              <a:t>‹N›</a:t>
+              <a:t>‹#›</a:t>
             </a:fld>
             <a:endParaRPr lang="it-IT">
               <a:solidFill>
@@ -4377,7 +4376,7 @@
                 </a:solidFill>
               </a:rPr>
               <a:pPr/>
-              <a:t>15/5/2023</a:t>
+              <a:t>16/05/23</a:t>
             </a:fld>
             <a:endParaRPr lang="it-IT">
               <a:solidFill>
@@ -4438,7 +4437,7 @@
                 </a:solidFill>
               </a:rPr>
               <a:pPr/>
-              <a:t>‹N›</a:t>
+              <a:t>‹#›</a:t>
             </a:fld>
             <a:endParaRPr lang="it-IT">
               <a:solidFill>
@@ -4828,7 +4827,7 @@
                 </a:solidFill>
               </a:rPr>
               <a:pPr/>
-              <a:t>15/5/2023</a:t>
+              <a:t>16/05/23</a:t>
             </a:fld>
             <a:endParaRPr lang="it-IT">
               <a:solidFill>
@@ -4889,7 +4888,7 @@
                 </a:solidFill>
               </a:rPr>
               <a:pPr/>
-              <a:t>‹N›</a:t>
+              <a:t>‹#›</a:t>
             </a:fld>
             <a:endParaRPr lang="it-IT">
               <a:solidFill>
@@ -4977,7 +4976,7 @@
                 </a:solidFill>
               </a:rPr>
               <a:pPr/>
-              <a:t>15/5/2023</a:t>
+              <a:t>16/05/23</a:t>
             </a:fld>
             <a:endParaRPr lang="it-IT">
               <a:solidFill>
@@ -5038,7 +5037,7 @@
                 </a:solidFill>
               </a:rPr>
               <a:pPr/>
-              <a:t>‹N›</a:t>
+              <a:t>‹#›</a:t>
             </a:fld>
             <a:endParaRPr lang="it-IT">
               <a:solidFill>
@@ -5104,7 +5103,7 @@
                 </a:solidFill>
               </a:rPr>
               <a:pPr/>
-              <a:t>15/5/2023</a:t>
+              <a:t>16/05/23</a:t>
             </a:fld>
             <a:endParaRPr lang="it-IT">
               <a:solidFill>
@@ -5165,7 +5164,7 @@
                 </a:solidFill>
               </a:rPr>
               <a:pPr/>
-              <a:t>‹N›</a:t>
+              <a:t>‹#›</a:t>
             </a:fld>
             <a:endParaRPr lang="it-IT">
               <a:solidFill>
@@ -5411,7 +5410,7 @@
                 </a:solidFill>
               </a:rPr>
               <a:pPr/>
-              <a:t>15/5/2023</a:t>
+              <a:t>16/05/23</a:t>
             </a:fld>
             <a:endParaRPr lang="it-IT">
               <a:solidFill>
@@ -5472,7 +5471,7 @@
                 </a:solidFill>
               </a:rPr>
               <a:pPr/>
-              <a:t>‹N›</a:t>
+              <a:t>‹#›</a:t>
             </a:fld>
             <a:endParaRPr lang="it-IT">
               <a:solidFill>
@@ -5695,7 +5694,7 @@
                 </a:solidFill>
               </a:rPr>
               <a:pPr/>
-              <a:t>15/5/2023</a:t>
+              <a:t>16/05/23</a:t>
             </a:fld>
             <a:endParaRPr lang="it-IT">
               <a:solidFill>
@@ -5756,7 +5755,7 @@
                 </a:solidFill>
               </a:rPr>
               <a:pPr/>
-              <a:t>‹N›</a:t>
+              <a:t>‹#›</a:t>
             </a:fld>
             <a:endParaRPr lang="it-IT">
               <a:solidFill>
@@ -5895,7 +5894,7 @@
                 </a:solidFill>
               </a:rPr>
               <a:pPr/>
-              <a:t>15/5/2023</a:t>
+              <a:t>16/05/23</a:t>
             </a:fld>
             <a:endParaRPr lang="it-IT">
               <a:solidFill>
@@ -5956,7 +5955,7 @@
                 </a:solidFill>
               </a:rPr>
               <a:pPr/>
-              <a:t>‹N›</a:t>
+              <a:t>‹#›</a:t>
             </a:fld>
             <a:endParaRPr lang="it-IT">
               <a:solidFill>
@@ -6105,7 +6104,7 @@
                 </a:solidFill>
               </a:rPr>
               <a:pPr/>
-              <a:t>15/5/2023</a:t>
+              <a:t>16/05/23</a:t>
             </a:fld>
             <a:endParaRPr lang="it-IT">
               <a:solidFill>
@@ -6166,7 +6165,7 @@
                 </a:solidFill>
               </a:rPr>
               <a:pPr/>
-              <a:t>‹N›</a:t>
+              <a:t>‹#›</a:t>
             </a:fld>
             <a:endParaRPr lang="it-IT">
               <a:solidFill>
@@ -6529,7 +6528,7 @@
                 </a:solidFill>
               </a:rPr>
               <a:pPr/>
-              <a:t>15/5/2023</a:t>
+              <a:t>16/05/23</a:t>
             </a:fld>
             <a:endParaRPr lang="it-IT">
               <a:solidFill>
@@ -6590,7 +6589,7 @@
                 </a:solidFill>
               </a:rPr>
               <a:pPr/>
-              <a:t>‹N›</a:t>
+              <a:t>‹#›</a:t>
             </a:fld>
             <a:endParaRPr lang="it-IT">
               <a:solidFill>
@@ -6846,7 +6845,7 @@
                 </a:solidFill>
               </a:rPr>
               <a:pPr/>
-              <a:t>15/5/2023</a:t>
+              <a:t>16/05/23</a:t>
             </a:fld>
             <a:endParaRPr lang="it-IT">
               <a:solidFill>
@@ -6907,7 +6906,7 @@
                 </a:solidFill>
               </a:rPr>
               <a:pPr/>
-              <a:t>‹N›</a:t>
+              <a:t>‹#›</a:t>
             </a:fld>
             <a:endParaRPr lang="it-IT">
               <a:solidFill>
@@ -7297,7 +7296,7 @@
                 </a:solidFill>
               </a:rPr>
               <a:pPr/>
-              <a:t>15/5/2023</a:t>
+              <a:t>16/05/23</a:t>
             </a:fld>
             <a:endParaRPr lang="it-IT">
               <a:solidFill>
@@ -7358,7 +7357,7 @@
                 </a:solidFill>
               </a:rPr>
               <a:pPr/>
-              <a:t>‹N›</a:t>
+              <a:t>‹#›</a:t>
             </a:fld>
             <a:endParaRPr lang="it-IT">
               <a:solidFill>
@@ -7446,7 +7445,7 @@
                 </a:solidFill>
               </a:rPr>
               <a:pPr/>
-              <a:t>15/5/2023</a:t>
+              <a:t>16/05/23</a:t>
             </a:fld>
             <a:endParaRPr lang="it-IT">
               <a:solidFill>
@@ -7507,7 +7506,7 @@
                 </a:solidFill>
               </a:rPr>
               <a:pPr/>
-              <a:t>‹N›</a:t>
+              <a:t>‹#›</a:t>
             </a:fld>
             <a:endParaRPr lang="it-IT">
               <a:solidFill>
@@ -7573,7 +7572,7 @@
                 </a:solidFill>
               </a:rPr>
               <a:pPr/>
-              <a:t>15/5/2023</a:t>
+              <a:t>16/05/23</a:t>
             </a:fld>
             <a:endParaRPr lang="it-IT">
               <a:solidFill>
@@ -7634,7 +7633,7 @@
                 </a:solidFill>
               </a:rPr>
               <a:pPr/>
-              <a:t>‹N›</a:t>
+              <a:t>‹#›</a:t>
             </a:fld>
             <a:endParaRPr lang="it-IT">
               <a:solidFill>
@@ -7880,7 +7879,7 @@
                 </a:solidFill>
               </a:rPr>
               <a:pPr/>
-              <a:t>15/5/2023</a:t>
+              <a:t>16/05/23</a:t>
             </a:fld>
             <a:endParaRPr lang="it-IT">
               <a:solidFill>
@@ -7941,7 +7940,7 @@
                 </a:solidFill>
               </a:rPr>
               <a:pPr/>
-              <a:t>‹N›</a:t>
+              <a:t>‹#›</a:t>
             </a:fld>
             <a:endParaRPr lang="it-IT">
               <a:solidFill>
@@ -8164,7 +8163,7 @@
                 </a:solidFill>
               </a:rPr>
               <a:pPr/>
-              <a:t>15/5/2023</a:t>
+              <a:t>16/05/23</a:t>
             </a:fld>
             <a:endParaRPr lang="it-IT">
               <a:solidFill>
@@ -8225,7 +8224,7 @@
                 </a:solidFill>
               </a:rPr>
               <a:pPr/>
-              <a:t>‹N›</a:t>
+              <a:t>‹#›</a:t>
             </a:fld>
             <a:endParaRPr lang="it-IT">
               <a:solidFill>
@@ -8407,7 +8406,7 @@
                 </a:solidFill>
               </a:rPr>
               <a:pPr/>
-              <a:t>15/5/2023</a:t>
+              <a:t>16/05/23</a:t>
             </a:fld>
             <a:endParaRPr lang="it-IT">
               <a:solidFill>
@@ -8504,7 +8503,7 @@
                 </a:solidFill>
               </a:rPr>
               <a:pPr/>
-              <a:t>‹N›</a:t>
+              <a:t>‹#›</a:t>
             </a:fld>
             <a:endParaRPr lang="it-IT">
               <a:solidFill>
@@ -8952,7 +8951,7 @@
                 </a:solidFill>
               </a:rPr>
               <a:pPr/>
-              <a:t>15/5/2023</a:t>
+              <a:t>16/05/23</a:t>
             </a:fld>
             <a:endParaRPr lang="it-IT">
               <a:solidFill>
@@ -9049,7 +9048,7 @@
                 </a:solidFill>
               </a:rPr>
               <a:pPr/>
-              <a:t>‹N›</a:t>
+              <a:t>‹#›</a:t>
             </a:fld>
             <a:endParaRPr lang="it-IT">
               <a:solidFill>
@@ -9669,23 +9668,6 @@
               </a:rPr>
               <a:t>Giorgino</a:t>
             </a:r>
-            <a:r>
-              <a:rPr kumimoji="0" lang="en-US" altLang="x-none" sz="2400" b="0" i="0" u="sng" strike="noStrike" kern="1200" cap="none" spc="0" normalizeH="0" baseline="0" noProof="0" dirty="0">
-                <a:ln>
-                  <a:noFill/>
-                </a:ln>
-                <a:solidFill>
-                  <a:srgbClr val="002F5F"/>
-                </a:solidFill>
-                <a:effectLst/>
-                <a:uLnTx/>
-                <a:uFillTx/>
-                <a:latin typeface="Gill Sans Light"/>
-                <a:ea typeface="Helvetica Neue" pitchFamily="2" charset="0"/>
-                <a:cs typeface="Gill Sans Light"/>
-              </a:rPr>
-              <a:t/>
-            </a:r>
             <a:br>
               <a:rPr kumimoji="0" lang="en-US" altLang="x-none" sz="2400" b="0" i="0" u="sng" strike="noStrike" kern="1200" cap="none" spc="0" normalizeH="0" baseline="0" noProof="0" dirty="0">
                 <a:ln>
@@ -9810,7 +9792,7 @@
           <p:cNvPr id="4" name="Group 3">
             <a:extLst>
               <a:ext uri="{FF2B5EF4-FFF2-40B4-BE49-F238E27FC236}">
-                <a16:creationId xmlns:a16="http://schemas.microsoft.com/office/drawing/2014/main" xmlns="" id="{B6B455E2-6727-0C44-92C0-B177E3A49761}"/>
+                <a16:creationId xmlns:a16="http://schemas.microsoft.com/office/drawing/2014/main" id="{B6B455E2-6727-0C44-92C0-B177E3A49761}"/>
               </a:ext>
             </a:extLst>
           </p:cNvPr>
@@ -9954,7 +9936,7 @@
             <p:cNvPr id="5" name="Rectangle 4">
               <a:extLst>
                 <a:ext uri="{FF2B5EF4-FFF2-40B4-BE49-F238E27FC236}">
-                  <a16:creationId xmlns:a16="http://schemas.microsoft.com/office/drawing/2014/main" xmlns="" id="{12C159B2-CA18-8F41-AC07-6267E8901B77}"/>
+                  <a16:creationId xmlns:a16="http://schemas.microsoft.com/office/drawing/2014/main" id="{12C159B2-CA18-8F41-AC07-6267E8901B77}"/>
                 </a:ext>
               </a:extLst>
             </p:cNvPr>
@@ -10047,7 +10029,7 @@
           <p:cNvPr id="7" name="Picture 6">
             <a:extLst>
               <a:ext uri="{FF2B5EF4-FFF2-40B4-BE49-F238E27FC236}">
-                <a16:creationId xmlns:a16="http://schemas.microsoft.com/office/drawing/2014/main" xmlns="" id="{CE0621F9-C969-C641-A268-C73B5B0CE298}"/>
+                <a16:creationId xmlns:a16="http://schemas.microsoft.com/office/drawing/2014/main" id="{CE0621F9-C969-C641-A268-C73B5B0CE298}"/>
               </a:ext>
             </a:extLst>
           </p:cNvPr>
@@ -10083,7 +10065,7 @@
           <p:cNvPr id="16" name="CasellaDiTesto 8">
             <a:extLst>
               <a:ext uri="{FF2B5EF4-FFF2-40B4-BE49-F238E27FC236}">
-                <a16:creationId xmlns:a16="http://schemas.microsoft.com/office/drawing/2014/main" xmlns="" id="{D9A862CC-2A5C-F148-A6CE-6CEC802B2467}"/>
+                <a16:creationId xmlns:a16="http://schemas.microsoft.com/office/drawing/2014/main" id="{D9A862CC-2A5C-F148-A6CE-6CEC802B2467}"/>
               </a:ext>
             </a:extLst>
           </p:cNvPr>
@@ -10187,43 +10169,43 @@
       </p:sp>
       <p:sp>
         <p:nvSpPr>
-          <p:cNvPr id="8" name="Rectangle 7">
-            <a:extLst>
-              <a:ext uri="{FF2B5EF4-FFF2-40B4-BE49-F238E27FC236}">
-                <a16:creationId xmlns:a16="http://schemas.microsoft.com/office/drawing/2014/main" xmlns="" id="{F7A14EE2-A6B7-2E30-4170-682E432C4CEE}"/>
-              </a:ext>
-            </a:extLst>
-          </p:cNvPr>
-          <p:cNvSpPr/>
+          <p:cNvPr id="14" name="CasellaDiTesto 13"/>
+          <p:cNvSpPr txBox="1"/>
           <p:nvPr/>
         </p:nvSpPr>
         <p:spPr>
           <a:xfrm>
-            <a:off x="-76200" y="5640577"/>
-            <a:ext cx="5673286" cy="369332"/>
+            <a:off x="152400" y="6248400"/>
+            <a:ext cx="5023491" cy="369332"/>
           </a:xfrm>
           <a:prstGeom prst="rect">
             <a:avLst/>
           </a:prstGeom>
         </p:spPr>
-        <p:txBody>
-          <a:bodyPr wrap="square">
+        <p:style>
+          <a:lnRef idx="3">
+            <a:schemeClr val="lt1"/>
+          </a:lnRef>
+          <a:fillRef idx="1">
+            <a:schemeClr val="dk1"/>
+          </a:fillRef>
+          <a:effectRef idx="1">
+            <a:schemeClr val="dk1"/>
+          </a:effectRef>
+          <a:fontRef idx="minor">
+            <a:schemeClr val="lt1"/>
+          </a:fontRef>
+        </p:style>
+        <p:txBody>
+          <a:bodyPr wrap="none" rtlCol="0">
             <a:spAutoFit/>
           </a:bodyPr>
           <a:lstStyle/>
           <a:p>
-            <a:pPr marL="0" indent="0">
-              <a:buNone/>
-            </a:pPr>
-            <a:r>
-              <a:rPr lang="en-US" dirty="0">
-                <a:latin typeface="Gill Sans MT" panose="020B0502020104020203" pitchFamily="34" charset="77"/>
-              </a:rPr>
+            <a:r>
+              <a:rPr lang="en-US" dirty="0"/>
               <a:t>https://github.com/giorginolab/MD-Tutorial-Data</a:t>
             </a:r>
-            <a:endParaRPr lang="en-US" dirty="0">
-              <a:latin typeface="Gill Sans MT" panose="020B0502020104020203" pitchFamily="34" charset="77"/>
-            </a:endParaRPr>
           </a:p>
         </p:txBody>
       </p:sp>
@@ -10285,530 +10267,15 @@
           <a:chExt cx="0" cy="0"/>
         </a:xfrm>
       </p:grpSpPr>
-      <p:pic>
-        <p:nvPicPr>
-          <p:cNvPr id="5" name="Content Placeholder 4">
+      <p:sp>
+        <p:nvSpPr>
+          <p:cNvPr id="2" name="Title 1">
             <a:extLst>
               <a:ext uri="{FF2B5EF4-FFF2-40B4-BE49-F238E27FC236}">
-                <a16:creationId xmlns:a16="http://schemas.microsoft.com/office/drawing/2014/main" xmlns="" id="{A97F3CD8-7C92-E040-9F8B-312DE6351963}"/>
+                <a16:creationId xmlns:a16="http://schemas.microsoft.com/office/drawing/2014/main" id="{F36EED7E-783C-574E-BF4B-CFA926EB1C4B}"/>
               </a:ext>
             </a:extLst>
           </p:cNvPr>
-          <p:cNvPicPr>
-            <a:picLocks noGrp="1" noChangeAspect="1"/>
-          </p:cNvPicPr>
-          <p:nvPr>
-            <p:ph idx="1"/>
-          </p:nvPr>
-        </p:nvPicPr>
-        <p:blipFill>
-          <a:blip r:embed="rId2"/>
-          <a:stretch>
-            <a:fillRect/>
-          </a:stretch>
-        </p:blipFill>
-        <p:spPr>
-          <a:xfrm>
-            <a:off x="4876800" y="4151944"/>
-            <a:ext cx="3424638" cy="2706056"/>
-          </a:xfrm>
-          <a:prstGeom prst="rect">
-            <a:avLst/>
-          </a:prstGeom>
-        </p:spPr>
-      </p:pic>
-      <p:sp>
-        <p:nvSpPr>
-          <p:cNvPr id="6" name="TextBox 5">
-            <a:extLst>
-              <a:ext uri="{FF2B5EF4-FFF2-40B4-BE49-F238E27FC236}">
-                <a16:creationId xmlns:a16="http://schemas.microsoft.com/office/drawing/2014/main" xmlns="" id="{090A7AFB-78C1-E641-A1D6-A84A6B6C32AD}"/>
-              </a:ext>
-            </a:extLst>
-          </p:cNvPr>
-          <p:cNvSpPr txBox="1"/>
-          <p:nvPr/>
-        </p:nvSpPr>
-        <p:spPr>
-          <a:xfrm>
-            <a:off x="1572129" y="2424704"/>
-            <a:ext cx="1012265" cy="461665"/>
-          </a:xfrm>
-          <a:prstGeom prst="rect">
-            <a:avLst/>
-          </a:prstGeom>
-          <a:noFill/>
-        </p:spPr>
-        <p:txBody>
-          <a:bodyPr wrap="none" rtlCol="0">
-            <a:spAutoFit/>
-          </a:bodyPr>
-          <a:lstStyle/>
-          <a:p>
-            <a:r>
-              <a:rPr lang="x-none" sz="2400" dirty="0">
-                <a:latin typeface="Gill Sans MT" pitchFamily="34" charset="0"/>
-              </a:rPr>
-              <a:t>Before</a:t>
-            </a:r>
-          </a:p>
-        </p:txBody>
-      </p:sp>
-      <p:sp>
-        <p:nvSpPr>
-          <p:cNvPr id="7" name="TextBox 6">
-            <a:extLst>
-              <a:ext uri="{FF2B5EF4-FFF2-40B4-BE49-F238E27FC236}">
-                <a16:creationId xmlns:a16="http://schemas.microsoft.com/office/drawing/2014/main" xmlns="" id="{8F5D0AB3-2DB9-1C4C-90A3-E48E78CE4294}"/>
-              </a:ext>
-            </a:extLst>
-          </p:cNvPr>
-          <p:cNvSpPr txBox="1"/>
-          <p:nvPr/>
-        </p:nvSpPr>
-        <p:spPr>
-          <a:xfrm>
-            <a:off x="1745703" y="5244033"/>
-            <a:ext cx="838691" cy="461665"/>
-          </a:xfrm>
-          <a:prstGeom prst="rect">
-            <a:avLst/>
-          </a:prstGeom>
-          <a:noFill/>
-        </p:spPr>
-        <p:txBody>
-          <a:bodyPr wrap="none" rtlCol="0">
-            <a:spAutoFit/>
-          </a:bodyPr>
-          <a:lstStyle/>
-          <a:p>
-            <a:r>
-              <a:rPr lang="x-none" sz="2400" dirty="0">
-                <a:latin typeface="Gill Sans MT" pitchFamily="34" charset="0"/>
-              </a:rPr>
-              <a:t>After</a:t>
-            </a:r>
-          </a:p>
-        </p:txBody>
-      </p:sp>
-      <p:grpSp>
-        <p:nvGrpSpPr>
-          <p:cNvPr id="11" name="Group 10">
-            <a:extLst>
-              <a:ext uri="{FF2B5EF4-FFF2-40B4-BE49-F238E27FC236}">
-                <a16:creationId xmlns:a16="http://schemas.microsoft.com/office/drawing/2014/main" xmlns="" id="{A20BD086-B2C5-2F43-AA0D-E68518F65F89}"/>
-              </a:ext>
-            </a:extLst>
-          </p:cNvPr>
-          <p:cNvGrpSpPr/>
-          <p:nvPr/>
-        </p:nvGrpSpPr>
-        <p:grpSpPr>
-          <a:xfrm>
-            <a:off x="2497608" y="1589853"/>
-            <a:ext cx="5321640" cy="2601148"/>
-            <a:chOff x="3122448" y="304800"/>
-            <a:chExt cx="5321640" cy="2601148"/>
-          </a:xfrm>
-        </p:grpSpPr>
-        <p:pic>
-          <p:nvPicPr>
-            <p:cNvPr id="4" name="Picture 3">
-              <a:extLst>
-                <a:ext uri="{FF2B5EF4-FFF2-40B4-BE49-F238E27FC236}">
-                  <a16:creationId xmlns:a16="http://schemas.microsoft.com/office/drawing/2014/main" xmlns="" id="{6EC6141C-C0AD-634C-BDED-6F287E1DC4C8}"/>
-                </a:ext>
-              </a:extLst>
-            </p:cNvPr>
-            <p:cNvPicPr>
-              <a:picLocks noChangeAspect="1"/>
-            </p:cNvPicPr>
-            <p:nvPr/>
-          </p:nvPicPr>
-          <p:blipFill rotWithShape="1">
-            <a:blip r:embed="rId3"/>
-            <a:srcRect b="14010"/>
-            <a:stretch/>
-          </p:blipFill>
-          <p:spPr>
-            <a:xfrm>
-              <a:off x="3122448" y="304800"/>
-              <a:ext cx="5321640" cy="2601148"/>
-            </a:xfrm>
-            <a:prstGeom prst="rect">
-              <a:avLst/>
-            </a:prstGeom>
-          </p:spPr>
-        </p:pic>
-        <p:sp>
-          <p:nvSpPr>
-            <p:cNvPr id="8" name="Right Arrow 7">
-              <a:extLst>
-                <a:ext uri="{FF2B5EF4-FFF2-40B4-BE49-F238E27FC236}">
-                  <a16:creationId xmlns:a16="http://schemas.microsoft.com/office/drawing/2014/main" xmlns="" id="{27640296-D9C2-C947-BDB1-4E510C3D54E9}"/>
-                </a:ext>
-              </a:extLst>
-            </p:cNvPr>
-            <p:cNvSpPr/>
-            <p:nvPr/>
-          </p:nvSpPr>
-          <p:spPr>
-            <a:xfrm>
-              <a:off x="5425440" y="1450032"/>
-              <a:ext cx="609600" cy="302568"/>
-            </a:xfrm>
-            <a:prstGeom prst="rightArrow">
-              <a:avLst/>
-            </a:prstGeom>
-          </p:spPr>
-          <p:style>
-            <a:lnRef idx="1">
-              <a:schemeClr val="accent1"/>
-            </a:lnRef>
-            <a:fillRef idx="3">
-              <a:schemeClr val="accent1"/>
-            </a:fillRef>
-            <a:effectRef idx="2">
-              <a:schemeClr val="accent1"/>
-            </a:effectRef>
-            <a:fontRef idx="minor">
-              <a:schemeClr val="lt1"/>
-            </a:fontRef>
-          </p:style>
-          <p:txBody>
-            <a:bodyPr rtlCol="0" anchor="ctr"/>
-            <a:lstStyle/>
-            <a:p>
-              <a:pPr algn="ctr"/>
-              <a:endParaRPr lang="x-none"/>
-            </a:p>
-          </p:txBody>
-        </p:sp>
-        <p:sp>
-          <p:nvSpPr>
-            <p:cNvPr id="9" name="TextBox 8">
-              <a:extLst>
-                <a:ext uri="{FF2B5EF4-FFF2-40B4-BE49-F238E27FC236}">
-                  <a16:creationId xmlns:a16="http://schemas.microsoft.com/office/drawing/2014/main" xmlns="" id="{B399F485-9663-1349-A80F-64BEA4AE5D00}"/>
-                </a:ext>
-              </a:extLst>
-            </p:cNvPr>
-            <p:cNvSpPr txBox="1"/>
-            <p:nvPr/>
-          </p:nvSpPr>
-          <p:spPr>
-            <a:xfrm>
-              <a:off x="5327117" y="827623"/>
-              <a:ext cx="806246" cy="523220"/>
-            </a:xfrm>
-            <a:prstGeom prst="rect">
-              <a:avLst/>
-            </a:prstGeom>
-            <a:noFill/>
-          </p:spPr>
-          <p:txBody>
-            <a:bodyPr wrap="none" rtlCol="0">
-              <a:spAutoFit/>
-            </a:bodyPr>
-            <a:lstStyle/>
-            <a:p>
-              <a:r>
-                <a:rPr lang="x-none" sz="1400" i="1" dirty="0">
-                  <a:latin typeface="Gill Sans MT" pitchFamily="34" charset="0"/>
-                </a:rPr>
-                <a:t>Minimize</a:t>
-              </a:r>
-              <a:br>
-                <a:rPr lang="x-none" sz="1400" i="1" dirty="0">
-                  <a:latin typeface="Gill Sans MT" pitchFamily="34" charset="0"/>
-                </a:rPr>
-              </a:br>
-              <a:r>
-                <a:rPr lang="x-none" sz="1400" i="1" dirty="0">
-                  <a:latin typeface="Gill Sans MT" pitchFamily="34" charset="0"/>
-                </a:rPr>
-                <a:t>RMSD</a:t>
-              </a:r>
-            </a:p>
-          </p:txBody>
-        </p:sp>
-      </p:grpSp>
-      <p:sp>
-        <p:nvSpPr>
-          <p:cNvPr id="10" name="Title 1">
-            <a:extLst>
-              <a:ext uri="{FF2B5EF4-FFF2-40B4-BE49-F238E27FC236}">
-                <a16:creationId xmlns:a16="http://schemas.microsoft.com/office/drawing/2014/main" xmlns="" id="{1A3F345D-2815-7841-9E94-6734E645113D}"/>
-              </a:ext>
-            </a:extLst>
-          </p:cNvPr>
-          <p:cNvSpPr>
-            <a:spLocks noGrp="1"/>
-          </p:cNvSpPr>
-          <p:nvPr>
-            <p:ph type="title"/>
-          </p:nvPr>
-        </p:nvSpPr>
-        <p:spPr>
-          <a:xfrm>
-            <a:off x="838200" y="90499"/>
-            <a:ext cx="2895600" cy="868362"/>
-          </a:xfrm>
-        </p:spPr>
-        <p:txBody>
-          <a:bodyPr/>
-          <a:lstStyle/>
-          <a:p>
-            <a:pPr algn="ctr"/>
-            <a:r>
-              <a:rPr lang="x-none" dirty="0"/>
-              <a:t>Alignment</a:t>
-            </a:r>
-          </a:p>
-        </p:txBody>
-      </p:sp>
-      <p:sp>
-        <p:nvSpPr>
-          <p:cNvPr id="12" name="Content Placeholder 2">
-            <a:extLst>
-              <a:ext uri="{FF2B5EF4-FFF2-40B4-BE49-F238E27FC236}">
-                <a16:creationId xmlns:a16="http://schemas.microsoft.com/office/drawing/2014/main" xmlns="" id="{F94DCB7D-C541-ED42-9B58-7B871A2EDBE3}"/>
-              </a:ext>
-            </a:extLst>
-          </p:cNvPr>
-          <p:cNvSpPr txBox="1">
-            <a:spLocks/>
-          </p:cNvSpPr>
-          <p:nvPr/>
-        </p:nvSpPr>
-        <p:spPr>
-          <a:xfrm>
-            <a:off x="4648200" y="245177"/>
-            <a:ext cx="4419600" cy="1375617"/>
-          </a:xfrm>
-          <a:prstGeom prst="rect">
-            <a:avLst/>
-          </a:prstGeom>
-        </p:spPr>
-        <p:txBody>
-          <a:bodyPr vert="horz" lIns="91440" tIns="45720" rIns="91440" bIns="45720" rtlCol="0">
-            <a:normAutofit/>
-          </a:bodyPr>
-          <a:lstStyle>
-            <a:lvl1pPr marL="342900" indent="-342900" algn="l" defTabSz="457200" rtl="0" eaLnBrk="1" latinLnBrk="0" hangingPunct="1">
-              <a:spcBef>
-                <a:spcPct val="20000"/>
-              </a:spcBef>
-              <a:buFont typeface="Arial"/>
-              <a:buChar char="•"/>
-              <a:defRPr sz="3200" kern="1200">
-                <a:solidFill>
-                  <a:schemeClr val="tx1"/>
-                </a:solidFill>
-                <a:latin typeface="Gill Sans MT"/>
-                <a:ea typeface="+mn-ea"/>
-                <a:cs typeface="Gill Sans MT"/>
-              </a:defRPr>
-            </a:lvl1pPr>
-            <a:lvl2pPr marL="742950" indent="-285750" algn="l" defTabSz="457200" rtl="0" eaLnBrk="1" latinLnBrk="0" hangingPunct="1">
-              <a:spcBef>
-                <a:spcPct val="20000"/>
-              </a:spcBef>
-              <a:buFont typeface="Arial"/>
-              <a:buChar char="–"/>
-              <a:defRPr sz="2800" kern="1200">
-                <a:solidFill>
-                  <a:schemeClr val="tx1"/>
-                </a:solidFill>
-                <a:latin typeface="Gill Sans MT"/>
-                <a:ea typeface="+mn-ea"/>
-                <a:cs typeface="Gill Sans MT"/>
-              </a:defRPr>
-            </a:lvl2pPr>
-            <a:lvl3pPr marL="1143000" indent="-228600" algn="l" defTabSz="457200" rtl="0" eaLnBrk="1" latinLnBrk="0" hangingPunct="1">
-              <a:spcBef>
-                <a:spcPct val="20000"/>
-              </a:spcBef>
-              <a:buFont typeface="Arial"/>
-              <a:buChar char="•"/>
-              <a:defRPr sz="2400" kern="1200">
-                <a:solidFill>
-                  <a:schemeClr val="tx1"/>
-                </a:solidFill>
-                <a:latin typeface="Gill Sans MT"/>
-                <a:ea typeface="+mn-ea"/>
-                <a:cs typeface="Gill Sans MT"/>
-              </a:defRPr>
-            </a:lvl3pPr>
-            <a:lvl4pPr marL="1600200" indent="-228600" algn="l" defTabSz="457200" rtl="0" eaLnBrk="1" latinLnBrk="0" hangingPunct="1">
-              <a:spcBef>
-                <a:spcPct val="20000"/>
-              </a:spcBef>
-              <a:buFont typeface="Arial"/>
-              <a:buChar char="–"/>
-              <a:defRPr sz="2000" kern="1200">
-                <a:solidFill>
-                  <a:schemeClr val="tx1"/>
-                </a:solidFill>
-                <a:latin typeface="Gill Sans MT"/>
-                <a:ea typeface="+mn-ea"/>
-                <a:cs typeface="Gill Sans MT"/>
-              </a:defRPr>
-            </a:lvl4pPr>
-            <a:lvl5pPr marL="2057400" indent="-228600" algn="l" defTabSz="457200" rtl="0" eaLnBrk="1" latinLnBrk="0" hangingPunct="1">
-              <a:spcBef>
-                <a:spcPct val="20000"/>
-              </a:spcBef>
-              <a:buFont typeface="Arial"/>
-              <a:buChar char="»"/>
-              <a:defRPr sz="2000" kern="1200">
-                <a:solidFill>
-                  <a:schemeClr val="tx1"/>
-                </a:solidFill>
-                <a:latin typeface="Gill Sans MT"/>
-                <a:ea typeface="+mn-ea"/>
-                <a:cs typeface="Gill Sans MT"/>
-              </a:defRPr>
-            </a:lvl5pPr>
-            <a:lvl6pPr marL="2514600" indent="-228600" algn="l" defTabSz="457200" rtl="0" eaLnBrk="1" latinLnBrk="0" hangingPunct="1">
-              <a:spcBef>
-                <a:spcPct val="20000"/>
-              </a:spcBef>
-              <a:buFont typeface="Arial"/>
-              <a:buChar char="•"/>
-              <a:defRPr sz="2000" kern="1200">
-                <a:solidFill>
-                  <a:schemeClr val="tx1"/>
-                </a:solidFill>
-                <a:latin typeface="+mn-lt"/>
-                <a:ea typeface="+mn-ea"/>
-                <a:cs typeface="+mn-cs"/>
-              </a:defRPr>
-            </a:lvl6pPr>
-            <a:lvl7pPr marL="2971800" indent="-228600" algn="l" defTabSz="457200" rtl="0" eaLnBrk="1" latinLnBrk="0" hangingPunct="1">
-              <a:spcBef>
-                <a:spcPct val="20000"/>
-              </a:spcBef>
-              <a:buFont typeface="Arial"/>
-              <a:buChar char="•"/>
-              <a:defRPr sz="2000" kern="1200">
-                <a:solidFill>
-                  <a:schemeClr val="tx1"/>
-                </a:solidFill>
-                <a:latin typeface="+mn-lt"/>
-                <a:ea typeface="+mn-ea"/>
-                <a:cs typeface="+mn-cs"/>
-              </a:defRPr>
-            </a:lvl7pPr>
-            <a:lvl8pPr marL="3429000" indent="-228600" algn="l" defTabSz="457200" rtl="0" eaLnBrk="1" latinLnBrk="0" hangingPunct="1">
-              <a:spcBef>
-                <a:spcPct val="20000"/>
-              </a:spcBef>
-              <a:buFont typeface="Arial"/>
-              <a:buChar char="•"/>
-              <a:defRPr sz="2000" kern="1200">
-                <a:solidFill>
-                  <a:schemeClr val="tx1"/>
-                </a:solidFill>
-                <a:latin typeface="+mn-lt"/>
-                <a:ea typeface="+mn-ea"/>
-                <a:cs typeface="+mn-cs"/>
-              </a:defRPr>
-            </a:lvl8pPr>
-            <a:lvl9pPr marL="3886200" indent="-228600" algn="l" defTabSz="457200" rtl="0" eaLnBrk="1" latinLnBrk="0" hangingPunct="1">
-              <a:spcBef>
-                <a:spcPct val="20000"/>
-              </a:spcBef>
-              <a:buFont typeface="Arial"/>
-              <a:buChar char="•"/>
-              <a:defRPr sz="2000" kern="1200">
-                <a:solidFill>
-                  <a:schemeClr val="tx1"/>
-                </a:solidFill>
-                <a:latin typeface="+mn-lt"/>
-                <a:ea typeface="+mn-ea"/>
-                <a:cs typeface="+mn-cs"/>
-              </a:defRPr>
-            </a:lvl9pPr>
-          </a:lstStyle>
-          <a:p>
-            <a:pPr marL="0" indent="0" algn="ctr" fontAlgn="auto">
-              <a:spcAft>
-                <a:spcPts val="0"/>
-              </a:spcAft>
-              <a:buFont typeface="Arial"/>
-              <a:buNone/>
-            </a:pPr>
-            <a:r>
-              <a:rPr lang="x-none" sz="2000" dirty="0"/>
-              <a:t>Calculations are often performed </a:t>
-            </a:r>
-            <a:r>
-              <a:rPr lang="x-none" sz="2000" i="1" dirty="0"/>
-              <a:t>after</a:t>
-            </a:r>
-            <a:r>
-              <a:rPr lang="x-none" sz="2000" dirty="0"/>
-              <a:t> a rigid transformation which </a:t>
-            </a:r>
-            <a:r>
-              <a:rPr lang="x-none" sz="2000" i="1" dirty="0"/>
-              <a:t>optimally</a:t>
-            </a:r>
-            <a:r>
-              <a:rPr lang="x-none" sz="2000" dirty="0"/>
-              <a:t> superimposes two structures (or two frames). </a:t>
-            </a:r>
-            <a:r>
-              <a:rPr lang="x-none" sz="2000" dirty="0">
-                <a:solidFill>
-                  <a:schemeClr val="tx2"/>
-                </a:solidFill>
-              </a:rPr>
-              <a:t>It removes diffusion.</a:t>
-            </a:r>
-          </a:p>
-        </p:txBody>
-      </p:sp>
-    </p:spTree>
-    <p:extLst>
-      <p:ext uri="{BB962C8B-B14F-4D97-AF65-F5344CB8AC3E}">
-        <p14:creationId xmlns:p14="http://schemas.microsoft.com/office/powerpoint/2010/main" val="589922263"/>
-      </p:ext>
-    </p:extLst>
-  </p:cSld>
-  <p:clrMapOvr>
-    <a:masterClrMapping/>
-  </p:clrMapOvr>
-</p:sld>
-</file>
-
-<file path=ppt/slides/slide11.xml><?xml version="1.0" encoding="utf-8"?>
-<p:sld xmlns:a="http://schemas.openxmlformats.org/drawingml/2006/main" xmlns:r="http://schemas.openxmlformats.org/officeDocument/2006/relationships" xmlns:p="http://schemas.openxmlformats.org/presentationml/2006/main">
-  <p:cSld>
-    <p:spTree>
-      <p:nvGrpSpPr>
-        <p:cNvPr id="1" name=""/>
-        <p:cNvGrpSpPr/>
-        <p:nvPr/>
-      </p:nvGrpSpPr>
-      <p:grpSpPr>
-        <a:xfrm>
-          <a:off x="0" y="0"/>
-          <a:ext cx="0" cy="0"/>
-          <a:chOff x="0" y="0"/>
-          <a:chExt cx="0" cy="0"/>
-        </a:xfrm>
-      </p:grpSpPr>
-      <p:sp>
-        <p:nvSpPr>
-          <p:cNvPr id="2" name="Title 1">
-            <a:extLst>
-              <a:ext uri="{FF2B5EF4-FFF2-40B4-BE49-F238E27FC236}">
-                <a16:creationId xmlns:a16="http://schemas.microsoft.com/office/drawing/2014/main" xmlns="" id="{F36EED7E-783C-574E-BF4B-CFA926EB1C4B}"/>
-              </a:ext>
-            </a:extLst>
-          </p:cNvPr>
           <p:cNvSpPr>
             <a:spLocks noGrp="1"/>
           </p:cNvSpPr>
@@ -10833,7 +10300,7 @@
           <p:cNvPr id="3" name="Content Placeholder 2">
             <a:extLst>
               <a:ext uri="{FF2B5EF4-FFF2-40B4-BE49-F238E27FC236}">
-                <a16:creationId xmlns:a16="http://schemas.microsoft.com/office/drawing/2014/main" xmlns="" id="{F59BDBF7-A393-994C-9818-3456E7C3872E}"/>
+                <a16:creationId xmlns:a16="http://schemas.microsoft.com/office/drawing/2014/main" id="{F59BDBF7-A393-994C-9818-3456E7C3872E}"/>
               </a:ext>
             </a:extLst>
           </p:cNvPr>
@@ -10872,7 +10339,7 @@
           <p:cNvPr id="5" name="Picture 4">
             <a:extLst>
               <a:ext uri="{FF2B5EF4-FFF2-40B4-BE49-F238E27FC236}">
-                <a16:creationId xmlns:a16="http://schemas.microsoft.com/office/drawing/2014/main" xmlns="" id="{1F186B64-B9E6-194D-BA71-3CA251B63670}"/>
+                <a16:creationId xmlns:a16="http://schemas.microsoft.com/office/drawing/2014/main" id="{1F186B64-B9E6-194D-BA71-3CA251B63670}"/>
               </a:ext>
             </a:extLst>
           </p:cNvPr>
@@ -10910,7 +10377,7 @@
 </p:sld>
 </file>
 
-<file path=ppt/slides/slide12.xml><?xml version="1.0" encoding="utf-8"?>
+<file path=ppt/slides/slide11.xml><?xml version="1.0" encoding="utf-8"?>
 <p:sld xmlns:a="http://schemas.openxmlformats.org/drawingml/2006/main" xmlns:r="http://schemas.openxmlformats.org/officeDocument/2006/relationships" xmlns:p="http://schemas.openxmlformats.org/presentationml/2006/main">
   <p:cSld>
     <p:spTree>
@@ -10932,7 +10399,7 @@
           <p:cNvPr id="3" name="Title 1">
             <a:extLst>
               <a:ext uri="{FF2B5EF4-FFF2-40B4-BE49-F238E27FC236}">
-                <a16:creationId xmlns:a16="http://schemas.microsoft.com/office/drawing/2014/main" xmlns="" id="{373057E2-3120-E84E-9A6A-405CB6CF49EB}"/>
+                <a16:creationId xmlns:a16="http://schemas.microsoft.com/office/drawing/2014/main" id="{373057E2-3120-E84E-9A6A-405CB6CF49EB}"/>
               </a:ext>
             </a:extLst>
           </p:cNvPr>
@@ -10986,7 +10453,7 @@
           <p:cNvPr id="2" name="Oval 1">
             <a:extLst>
               <a:ext uri="{FF2B5EF4-FFF2-40B4-BE49-F238E27FC236}">
-                <a16:creationId xmlns:a16="http://schemas.microsoft.com/office/drawing/2014/main" xmlns="" id="{C770A118-31E1-E84C-A791-B327784277FA}"/>
+                <a16:creationId xmlns:a16="http://schemas.microsoft.com/office/drawing/2014/main" id="{C770A118-31E1-E84C-A791-B327784277FA}"/>
               </a:ext>
             </a:extLst>
           </p:cNvPr>
@@ -11030,7 +10497,7 @@
           <p:cNvPr id="5" name="Oval 4">
             <a:extLst>
               <a:ext uri="{FF2B5EF4-FFF2-40B4-BE49-F238E27FC236}">
-                <a16:creationId xmlns:a16="http://schemas.microsoft.com/office/drawing/2014/main" xmlns="" id="{4862D0B1-959B-1D4F-825F-B0DE6E6C0445}"/>
+                <a16:creationId xmlns:a16="http://schemas.microsoft.com/office/drawing/2014/main" id="{4862D0B1-959B-1D4F-825F-B0DE6E6C0445}"/>
               </a:ext>
             </a:extLst>
           </p:cNvPr>
@@ -11074,7 +10541,7 @@
           <p:cNvPr id="6" name="Oval 5">
             <a:extLst>
               <a:ext uri="{FF2B5EF4-FFF2-40B4-BE49-F238E27FC236}">
-                <a16:creationId xmlns:a16="http://schemas.microsoft.com/office/drawing/2014/main" xmlns="" id="{77A0287D-CED6-424B-8E6B-CEA65661C4B3}"/>
+                <a16:creationId xmlns:a16="http://schemas.microsoft.com/office/drawing/2014/main" id="{77A0287D-CED6-424B-8E6B-CEA65661C4B3}"/>
               </a:ext>
             </a:extLst>
           </p:cNvPr>
@@ -11118,7 +10585,7 @@
           <p:cNvPr id="7" name="TextBox 6">
             <a:extLst>
               <a:ext uri="{FF2B5EF4-FFF2-40B4-BE49-F238E27FC236}">
-                <a16:creationId xmlns:a16="http://schemas.microsoft.com/office/drawing/2014/main" xmlns="" id="{F484C7B1-ACD0-EC4C-847A-3D20C16F126B}"/>
+                <a16:creationId xmlns:a16="http://schemas.microsoft.com/office/drawing/2014/main" id="{F484C7B1-ACD0-EC4C-847A-3D20C16F126B}"/>
               </a:ext>
             </a:extLst>
           </p:cNvPr>
@@ -11155,7 +10622,7 @@
           <p:cNvPr id="8" name="TextBox 7">
             <a:extLst>
               <a:ext uri="{FF2B5EF4-FFF2-40B4-BE49-F238E27FC236}">
-                <a16:creationId xmlns:a16="http://schemas.microsoft.com/office/drawing/2014/main" xmlns="" id="{C441818E-2D52-2243-AFBC-458630AEF86D}"/>
+                <a16:creationId xmlns:a16="http://schemas.microsoft.com/office/drawing/2014/main" id="{C441818E-2D52-2243-AFBC-458630AEF86D}"/>
               </a:ext>
             </a:extLst>
           </p:cNvPr>
@@ -11192,7 +10659,7 @@
           <p:cNvPr id="9" name="TextBox 8">
             <a:extLst>
               <a:ext uri="{FF2B5EF4-FFF2-40B4-BE49-F238E27FC236}">
-                <a16:creationId xmlns:a16="http://schemas.microsoft.com/office/drawing/2014/main" xmlns="" id="{9FE5E6B3-4B68-644A-BB43-7D79F266CD7D}"/>
+                <a16:creationId xmlns:a16="http://schemas.microsoft.com/office/drawing/2014/main" id="{9FE5E6B3-4B68-644A-BB43-7D79F266CD7D}"/>
               </a:ext>
             </a:extLst>
           </p:cNvPr>
@@ -11229,7 +10696,7 @@
           <p:cNvPr id="10" name="Oval 9">
             <a:extLst>
               <a:ext uri="{FF2B5EF4-FFF2-40B4-BE49-F238E27FC236}">
-                <a16:creationId xmlns:a16="http://schemas.microsoft.com/office/drawing/2014/main" xmlns="" id="{3260A0A9-84CD-DF4D-AAD6-7B1E4E693325}"/>
+                <a16:creationId xmlns:a16="http://schemas.microsoft.com/office/drawing/2014/main" id="{3260A0A9-84CD-DF4D-AAD6-7B1E4E693325}"/>
               </a:ext>
             </a:extLst>
           </p:cNvPr>
@@ -11273,7 +10740,7 @@
           <p:cNvPr id="11" name="TextBox 10">
             <a:extLst>
               <a:ext uri="{FF2B5EF4-FFF2-40B4-BE49-F238E27FC236}">
-                <a16:creationId xmlns:a16="http://schemas.microsoft.com/office/drawing/2014/main" xmlns="" id="{26480942-E5BD-F74C-858D-AB890182CBC0}"/>
+                <a16:creationId xmlns:a16="http://schemas.microsoft.com/office/drawing/2014/main" id="{26480942-E5BD-F74C-858D-AB890182CBC0}"/>
               </a:ext>
             </a:extLst>
           </p:cNvPr>
@@ -11310,7 +10777,7 @@
           <p:cNvPr id="18" name="TextBox 17">
             <a:extLst>
               <a:ext uri="{FF2B5EF4-FFF2-40B4-BE49-F238E27FC236}">
-                <a16:creationId xmlns:a16="http://schemas.microsoft.com/office/drawing/2014/main" xmlns="" id="{7E622832-0A30-3F47-88F3-F25054B36520}"/>
+                <a16:creationId xmlns:a16="http://schemas.microsoft.com/office/drawing/2014/main" id="{7E622832-0A30-3F47-88F3-F25054B36520}"/>
               </a:ext>
             </a:extLst>
           </p:cNvPr>
@@ -11347,7 +10814,7 @@
           <p:cNvPr id="19" name="TextBox 18">
             <a:extLst>
               <a:ext uri="{FF2B5EF4-FFF2-40B4-BE49-F238E27FC236}">
-                <a16:creationId xmlns:a16="http://schemas.microsoft.com/office/drawing/2014/main" xmlns="" id="{FE224F4C-675A-4B41-9333-6FB2268334E6}"/>
+                <a16:creationId xmlns:a16="http://schemas.microsoft.com/office/drawing/2014/main" id="{FE224F4C-675A-4B41-9333-6FB2268334E6}"/>
               </a:ext>
             </a:extLst>
           </p:cNvPr>
@@ -11384,7 +10851,7 @@
           <p:cNvPr id="20" name="TextBox 19">
             <a:extLst>
               <a:ext uri="{FF2B5EF4-FFF2-40B4-BE49-F238E27FC236}">
-                <a16:creationId xmlns:a16="http://schemas.microsoft.com/office/drawing/2014/main" xmlns="" id="{5E449783-FB19-CF43-895B-F6AED69E5295}"/>
+                <a16:creationId xmlns:a16="http://schemas.microsoft.com/office/drawing/2014/main" id="{5E449783-FB19-CF43-895B-F6AED69E5295}"/>
               </a:ext>
             </a:extLst>
           </p:cNvPr>
@@ -11421,7 +10888,7 @@
           <p:cNvPr id="39" name="Group 38">
             <a:extLst>
               <a:ext uri="{FF2B5EF4-FFF2-40B4-BE49-F238E27FC236}">
-                <a16:creationId xmlns:a16="http://schemas.microsoft.com/office/drawing/2014/main" xmlns="" id="{4D443ABD-8FA5-F845-A682-4B4F2849FC8D}"/>
+                <a16:creationId xmlns:a16="http://schemas.microsoft.com/office/drawing/2014/main" id="{4D443ABD-8FA5-F845-A682-4B4F2849FC8D}"/>
               </a:ext>
             </a:extLst>
           </p:cNvPr>
@@ -11441,7 +10908,7 @@
             <p:cNvPr id="12" name="5-Point Star 11">
               <a:extLst>
                 <a:ext uri="{FF2B5EF4-FFF2-40B4-BE49-F238E27FC236}">
-                  <a16:creationId xmlns:a16="http://schemas.microsoft.com/office/drawing/2014/main" xmlns="" id="{CF6B6B6F-D90C-6D42-9936-3B01A3DCABC6}"/>
+                  <a16:creationId xmlns:a16="http://schemas.microsoft.com/office/drawing/2014/main" id="{CF6B6B6F-D90C-6D42-9936-3B01A3DCABC6}"/>
                 </a:ext>
               </a:extLst>
             </p:cNvPr>
@@ -11485,7 +10952,7 @@
             <p:cNvPr id="14" name="TextBox 13">
               <a:extLst>
                 <a:ext uri="{FF2B5EF4-FFF2-40B4-BE49-F238E27FC236}">
-                  <a16:creationId xmlns:a16="http://schemas.microsoft.com/office/drawing/2014/main" xmlns="" id="{D273DA24-EC64-334F-AFCB-83DC3AA92E3F}"/>
+                  <a16:creationId xmlns:a16="http://schemas.microsoft.com/office/drawing/2014/main" id="{D273DA24-EC64-334F-AFCB-83DC3AA92E3F}"/>
                 </a:ext>
               </a:extLst>
             </p:cNvPr>
@@ -11528,7 +10995,7 @@
             <p:cNvPr id="15" name="5-Point Star 14">
               <a:extLst>
                 <a:ext uri="{FF2B5EF4-FFF2-40B4-BE49-F238E27FC236}">
-                  <a16:creationId xmlns:a16="http://schemas.microsoft.com/office/drawing/2014/main" xmlns="" id="{12E2A4AA-6E83-CC4B-9F13-E1251AA3CEA2}"/>
+                  <a16:creationId xmlns:a16="http://schemas.microsoft.com/office/drawing/2014/main" id="{12E2A4AA-6E83-CC4B-9F13-E1251AA3CEA2}"/>
                 </a:ext>
               </a:extLst>
             </p:cNvPr>
@@ -11572,7 +11039,7 @@
             <p:cNvPr id="16" name="5-Point Star 15">
               <a:extLst>
                 <a:ext uri="{FF2B5EF4-FFF2-40B4-BE49-F238E27FC236}">
-                  <a16:creationId xmlns:a16="http://schemas.microsoft.com/office/drawing/2014/main" xmlns="" id="{E145DAFA-34BE-6847-A700-7ED25DAA281E}"/>
+                  <a16:creationId xmlns:a16="http://schemas.microsoft.com/office/drawing/2014/main" id="{E145DAFA-34BE-6847-A700-7ED25DAA281E}"/>
                 </a:ext>
               </a:extLst>
             </p:cNvPr>
@@ -11616,7 +11083,7 @@
             <p:cNvPr id="17" name="5-Point Star 16">
               <a:extLst>
                 <a:ext uri="{FF2B5EF4-FFF2-40B4-BE49-F238E27FC236}">
-                  <a16:creationId xmlns:a16="http://schemas.microsoft.com/office/drawing/2014/main" xmlns="" id="{12674C90-5666-9440-BCEA-E591AB5FE461}"/>
+                  <a16:creationId xmlns:a16="http://schemas.microsoft.com/office/drawing/2014/main" id="{12674C90-5666-9440-BCEA-E591AB5FE461}"/>
                 </a:ext>
               </a:extLst>
             </p:cNvPr>
@@ -11660,7 +11127,7 @@
             <p:cNvPr id="21" name="TextBox 20">
               <a:extLst>
                 <a:ext uri="{FF2B5EF4-FFF2-40B4-BE49-F238E27FC236}">
-                  <a16:creationId xmlns:a16="http://schemas.microsoft.com/office/drawing/2014/main" xmlns="" id="{D80225C1-484A-B14C-96A0-BA1461317D90}"/>
+                  <a16:creationId xmlns:a16="http://schemas.microsoft.com/office/drawing/2014/main" id="{D80225C1-484A-B14C-96A0-BA1461317D90}"/>
                 </a:ext>
               </a:extLst>
             </p:cNvPr>
@@ -11700,7 +11167,7 @@
             <p:cNvPr id="22" name="TextBox 21">
               <a:extLst>
                 <a:ext uri="{FF2B5EF4-FFF2-40B4-BE49-F238E27FC236}">
-                  <a16:creationId xmlns:a16="http://schemas.microsoft.com/office/drawing/2014/main" xmlns="" id="{742B06B2-CA5B-2546-B194-A6C7F0DB3D92}"/>
+                  <a16:creationId xmlns:a16="http://schemas.microsoft.com/office/drawing/2014/main" id="{742B06B2-CA5B-2546-B194-A6C7F0DB3D92}"/>
                 </a:ext>
               </a:extLst>
             </p:cNvPr>
@@ -11740,7 +11207,7 @@
             <p:cNvPr id="23" name="TextBox 22">
               <a:extLst>
                 <a:ext uri="{FF2B5EF4-FFF2-40B4-BE49-F238E27FC236}">
-                  <a16:creationId xmlns:a16="http://schemas.microsoft.com/office/drawing/2014/main" xmlns="" id="{ABA54D84-12C3-FE43-BB4E-703123207C36}"/>
+                  <a16:creationId xmlns:a16="http://schemas.microsoft.com/office/drawing/2014/main" id="{ABA54D84-12C3-FE43-BB4E-703123207C36}"/>
                 </a:ext>
               </a:extLst>
             </p:cNvPr>
@@ -11781,7 +11248,7 @@
           <p:cNvPr id="40" name="Group 39">
             <a:extLst>
               <a:ext uri="{FF2B5EF4-FFF2-40B4-BE49-F238E27FC236}">
-                <a16:creationId xmlns:a16="http://schemas.microsoft.com/office/drawing/2014/main" xmlns="" id="{9646DAB7-9B8A-4744-BA23-EA7F5DD34884}"/>
+                <a16:creationId xmlns:a16="http://schemas.microsoft.com/office/drawing/2014/main" id="{9646DAB7-9B8A-4744-BA23-EA7F5DD34884}"/>
               </a:ext>
             </a:extLst>
           </p:cNvPr>
@@ -11801,7 +11268,7 @@
             <p:cNvPr id="25" name="Straight Arrow Connector 24">
               <a:extLst>
                 <a:ext uri="{FF2B5EF4-FFF2-40B4-BE49-F238E27FC236}">
-                  <a16:creationId xmlns:a16="http://schemas.microsoft.com/office/drawing/2014/main" xmlns="" id="{165077F6-150F-CD4B-A5BF-CCC7021D770B}"/>
+                  <a16:creationId xmlns:a16="http://schemas.microsoft.com/office/drawing/2014/main" id="{165077F6-150F-CD4B-A5BF-CCC7021D770B}"/>
                 </a:ext>
               </a:extLst>
             </p:cNvPr>
@@ -11842,7 +11309,7 @@
             <p:cNvPr id="34" name="TextBox 33">
               <a:extLst>
                 <a:ext uri="{FF2B5EF4-FFF2-40B4-BE49-F238E27FC236}">
-                  <a16:creationId xmlns:a16="http://schemas.microsoft.com/office/drawing/2014/main" xmlns="" id="{7B24C57D-6EE3-D54A-AB47-70B8CBC43ED7}"/>
+                  <a16:creationId xmlns:a16="http://schemas.microsoft.com/office/drawing/2014/main" id="{7B24C57D-6EE3-D54A-AB47-70B8CBC43ED7}"/>
                 </a:ext>
               </a:extLst>
             </p:cNvPr>
@@ -11886,7 +11353,7 @@
           <p:cNvPr id="41" name="Group 40">
             <a:extLst>
               <a:ext uri="{FF2B5EF4-FFF2-40B4-BE49-F238E27FC236}">
-                <a16:creationId xmlns:a16="http://schemas.microsoft.com/office/drawing/2014/main" xmlns="" id="{2C0004DC-119F-6F4D-A180-8946C513F5F2}"/>
+                <a16:creationId xmlns:a16="http://schemas.microsoft.com/office/drawing/2014/main" id="{2C0004DC-119F-6F4D-A180-8946C513F5F2}"/>
               </a:ext>
             </a:extLst>
           </p:cNvPr>
@@ -11906,7 +11373,7 @@
             <p:cNvPr id="28" name="Straight Arrow Connector 27">
               <a:extLst>
                 <a:ext uri="{FF2B5EF4-FFF2-40B4-BE49-F238E27FC236}">
-                  <a16:creationId xmlns:a16="http://schemas.microsoft.com/office/drawing/2014/main" xmlns="" id="{C290A392-4C7F-5340-870A-91F4CC3A560D}"/>
+                  <a16:creationId xmlns:a16="http://schemas.microsoft.com/office/drawing/2014/main" id="{C290A392-4C7F-5340-870A-91F4CC3A560D}"/>
                 </a:ext>
               </a:extLst>
             </p:cNvPr>
@@ -11947,7 +11414,7 @@
             <p:cNvPr id="35" name="TextBox 34">
               <a:extLst>
                 <a:ext uri="{FF2B5EF4-FFF2-40B4-BE49-F238E27FC236}">
-                  <a16:creationId xmlns:a16="http://schemas.microsoft.com/office/drawing/2014/main" xmlns="" id="{7EE0F658-424B-9A4B-BB17-4B0ABBD5DDE5}"/>
+                  <a16:creationId xmlns:a16="http://schemas.microsoft.com/office/drawing/2014/main" id="{7EE0F658-424B-9A4B-BB17-4B0ABBD5DDE5}"/>
                 </a:ext>
               </a:extLst>
             </p:cNvPr>
@@ -11991,7 +11458,7 @@
           <p:cNvPr id="42" name="Group 41">
             <a:extLst>
               <a:ext uri="{FF2B5EF4-FFF2-40B4-BE49-F238E27FC236}">
-                <a16:creationId xmlns:a16="http://schemas.microsoft.com/office/drawing/2014/main" xmlns="" id="{9845CCEF-B384-B147-904F-5F10D7BF3C65}"/>
+                <a16:creationId xmlns:a16="http://schemas.microsoft.com/office/drawing/2014/main" id="{9845CCEF-B384-B147-904F-5F10D7BF3C65}"/>
               </a:ext>
             </a:extLst>
           </p:cNvPr>
@@ -12011,7 +11478,7 @@
             <p:cNvPr id="30" name="Straight Arrow Connector 29">
               <a:extLst>
                 <a:ext uri="{FF2B5EF4-FFF2-40B4-BE49-F238E27FC236}">
-                  <a16:creationId xmlns:a16="http://schemas.microsoft.com/office/drawing/2014/main" xmlns="" id="{0A8D4CC6-3534-D34B-97D7-1F9E8AB7455B}"/>
+                  <a16:creationId xmlns:a16="http://schemas.microsoft.com/office/drawing/2014/main" id="{0A8D4CC6-3534-D34B-97D7-1F9E8AB7455B}"/>
                 </a:ext>
               </a:extLst>
             </p:cNvPr>
@@ -12052,7 +11519,7 @@
             <p:cNvPr id="36" name="TextBox 35">
               <a:extLst>
                 <a:ext uri="{FF2B5EF4-FFF2-40B4-BE49-F238E27FC236}">
-                  <a16:creationId xmlns:a16="http://schemas.microsoft.com/office/drawing/2014/main" xmlns="" id="{4326D1AA-A51A-6446-A1DE-5BA51EC05F24}"/>
+                  <a16:creationId xmlns:a16="http://schemas.microsoft.com/office/drawing/2014/main" id="{4326D1AA-A51A-6446-A1DE-5BA51EC05F24}"/>
                 </a:ext>
               </a:extLst>
             </p:cNvPr>
@@ -12096,7 +11563,7 @@
           <p:cNvPr id="37" name="TextBox 36">
             <a:extLst>
               <a:ext uri="{FF2B5EF4-FFF2-40B4-BE49-F238E27FC236}">
-                <a16:creationId xmlns:a16="http://schemas.microsoft.com/office/drawing/2014/main" xmlns="" id="{1E547A19-A5CF-014F-8D2F-D8258BB49FB9}"/>
+                <a16:creationId xmlns:a16="http://schemas.microsoft.com/office/drawing/2014/main" id="{1E547A19-A5CF-014F-8D2F-D8258BB49FB9}"/>
               </a:ext>
             </a:extLst>
           </p:cNvPr>
@@ -12158,7 +11625,7 @@
               <p:cNvPr id="38" name="TextBox 37">
                 <a:extLst>
                   <a:ext uri="{FF2B5EF4-FFF2-40B4-BE49-F238E27FC236}">
-                    <a16:creationId xmlns:a16="http://schemas.microsoft.com/office/drawing/2014/main" xmlns="" id="{EE65453E-BBC7-4642-A573-B93B096BCBAF}"/>
+                    <a16:creationId xmlns:a16="http://schemas.microsoft.com/office/drawing/2014/main" id="{EE65453E-BBC7-4642-A573-B93B096BCBAF}"/>
                   </a:ext>
                 </a:extLst>
               </p:cNvPr>
@@ -12212,7 +11679,7 @@
                         <m:degHide m:val="on"/>
                         <m:ctrlPr>
                           <a:rPr lang="x-none" sz="1400" i="1" smtClean="0">
-                            <a:latin typeface="Cambria Math"/>
+                            <a:latin typeface="Cambria Math" panose="02040503050406030204" pitchFamily="18" charset="0"/>
                           </a:rPr>
                         </m:ctrlPr>
                       </m:radPr>
@@ -12222,7 +11689,7 @@
                           <m:sSubSupPr>
                             <m:ctrlPr>
                               <a:rPr lang="it-IT" sz="1400" i="1">
-                                <a:latin typeface="Cambria Math"/>
+                                <a:latin typeface="Cambria Math" panose="02040503050406030204" pitchFamily="18" charset="0"/>
                               </a:rPr>
                             </m:ctrlPr>
                           </m:sSubSupPr>
@@ -12261,7 +11728,7 @@
                           <m:sSubSupPr>
                             <m:ctrlPr>
                               <a:rPr lang="it-IT" sz="1400" i="1">
-                                <a:latin typeface="Cambria Math"/>
+                                <a:latin typeface="Cambria Math" panose="02040503050406030204" pitchFamily="18" charset="0"/>
                               </a:rPr>
                             </m:ctrlPr>
                           </m:sSubSupPr>
@@ -12306,7 +11773,7 @@
                           <m:sSubSupPr>
                             <m:ctrlPr>
                               <a:rPr lang="it-IT" sz="1400" i="1">
-                                <a:latin typeface="Cambria Math"/>
+                                <a:latin typeface="Cambria Math" panose="02040503050406030204" pitchFamily="18" charset="0"/>
                               </a:rPr>
                             </m:ctrlPr>
                           </m:sSubSupPr>
@@ -12402,7 +11869,7 @@
           <p:cNvPr id="43" name="TextBox 42">
             <a:extLst>
               <a:ext uri="{FF2B5EF4-FFF2-40B4-BE49-F238E27FC236}">
-                <a16:creationId xmlns:a16="http://schemas.microsoft.com/office/drawing/2014/main" xmlns="" id="{E1AF333E-4997-E64C-B7E0-FFBCFAF5023D}"/>
+                <a16:creationId xmlns:a16="http://schemas.microsoft.com/office/drawing/2014/main" id="{E1AF333E-4997-E64C-B7E0-FFBCFAF5023D}"/>
               </a:ext>
             </a:extLst>
           </p:cNvPr>
@@ -12737,7 +12204,7 @@
 </p:sld>
 </file>
 
-<file path=ppt/slides/slide13.xml><?xml version="1.0" encoding="utf-8"?>
+<file path=ppt/slides/slide12.xml><?xml version="1.0" encoding="utf-8"?>
 <p:sld xmlns:a="http://schemas.openxmlformats.org/drawingml/2006/main" xmlns:r="http://schemas.openxmlformats.org/officeDocument/2006/relationships" xmlns:p="http://schemas.openxmlformats.org/presentationml/2006/main">
   <p:cSld>
     <p:spTree>
@@ -12759,7 +12226,7 @@
           <p:cNvPr id="2" name="Title 1">
             <a:extLst>
               <a:ext uri="{FF2B5EF4-FFF2-40B4-BE49-F238E27FC236}">
-                <a16:creationId xmlns:a16="http://schemas.microsoft.com/office/drawing/2014/main" xmlns="" id="{116106DD-0944-6C46-81D6-269EF8556A57}"/>
+                <a16:creationId xmlns:a16="http://schemas.microsoft.com/office/drawing/2014/main" id="{116106DD-0944-6C46-81D6-269EF8556A57}"/>
               </a:ext>
             </a:extLst>
           </p:cNvPr>
@@ -12797,7 +12264,7 @@
           <p:cNvPr id="4" name="Content Placeholder 3">
             <a:extLst>
               <a:ext uri="{FF2B5EF4-FFF2-40B4-BE49-F238E27FC236}">
-                <a16:creationId xmlns:a16="http://schemas.microsoft.com/office/drawing/2014/main" xmlns="" id="{C7B21CB0-539D-2E40-A390-1CE0BE1C7CC1}"/>
+                <a16:creationId xmlns:a16="http://schemas.microsoft.com/office/drawing/2014/main" id="{C7B21CB0-539D-2E40-A390-1CE0BE1C7CC1}"/>
               </a:ext>
             </a:extLst>
           </p:cNvPr>
@@ -12827,21 +12294,21 @@
                 <a:gridCol w="2743200">
                   <a:extLst>
                     <a:ext uri="{9D8B030D-6E8A-4147-A177-3AD203B41FA5}">
-                      <a16:colId xmlns:a16="http://schemas.microsoft.com/office/drawing/2014/main" xmlns="" val="1584755303"/>
+                      <a16:colId xmlns:a16="http://schemas.microsoft.com/office/drawing/2014/main" val="1584755303"/>
                     </a:ext>
                   </a:extLst>
                 </a:gridCol>
                 <a:gridCol w="2743200">
                   <a:extLst>
                     <a:ext uri="{9D8B030D-6E8A-4147-A177-3AD203B41FA5}">
-                      <a16:colId xmlns:a16="http://schemas.microsoft.com/office/drawing/2014/main" xmlns="" val="3320470856"/>
+                      <a16:colId xmlns:a16="http://schemas.microsoft.com/office/drawing/2014/main" val="3320470856"/>
                     </a:ext>
                   </a:extLst>
                 </a:gridCol>
                 <a:gridCol w="2743200">
                   <a:extLst>
                     <a:ext uri="{9D8B030D-6E8A-4147-A177-3AD203B41FA5}">
-                      <a16:colId xmlns:a16="http://schemas.microsoft.com/office/drawing/2014/main" xmlns="" val="1150705634"/>
+                      <a16:colId xmlns:a16="http://schemas.microsoft.com/office/drawing/2014/main" val="1150705634"/>
                     </a:ext>
                   </a:extLst>
                 </a:gridCol>
@@ -12888,7 +12355,7 @@
                 </a:tc>
                 <a:extLst>
                   <a:ext uri="{0D108BD9-81ED-4DB2-BD59-A6C34878D82A}">
-                    <a16:rowId xmlns:a16="http://schemas.microsoft.com/office/drawing/2014/main" xmlns="" val="2035335225"/>
+                    <a16:rowId xmlns:a16="http://schemas.microsoft.com/office/drawing/2014/main" val="2035335225"/>
                   </a:ext>
                 </a:extLst>
               </a:tr>
@@ -12941,7 +12408,7 @@
                 </a:tc>
                 <a:extLst>
                   <a:ext uri="{0D108BD9-81ED-4DB2-BD59-A6C34878D82A}">
-                    <a16:rowId xmlns:a16="http://schemas.microsoft.com/office/drawing/2014/main" xmlns="" val="1630427054"/>
+                    <a16:rowId xmlns:a16="http://schemas.microsoft.com/office/drawing/2014/main" val="1630427054"/>
                   </a:ext>
                 </a:extLst>
               </a:tr>
@@ -12994,7 +12461,7 @@
                 </a:tc>
                 <a:extLst>
                   <a:ext uri="{0D108BD9-81ED-4DB2-BD59-A6C34878D82A}">
-                    <a16:rowId xmlns:a16="http://schemas.microsoft.com/office/drawing/2014/main" xmlns="" val="3712215141"/>
+                    <a16:rowId xmlns:a16="http://schemas.microsoft.com/office/drawing/2014/main" val="3712215141"/>
                   </a:ext>
                 </a:extLst>
               </a:tr>
@@ -13007,7 +12474,7 @@
           <p:cNvPr id="5" name="TextBox 4">
             <a:extLst>
               <a:ext uri="{FF2B5EF4-FFF2-40B4-BE49-F238E27FC236}">
-                <a16:creationId xmlns:a16="http://schemas.microsoft.com/office/drawing/2014/main" xmlns="" id="{DD291AAF-6F45-BD4A-965D-4C78CD69A905}"/>
+                <a16:creationId xmlns:a16="http://schemas.microsoft.com/office/drawing/2014/main" id="{DD291AAF-6F45-BD4A-965D-4C78CD69A905}"/>
               </a:ext>
             </a:extLst>
           </p:cNvPr>
@@ -13116,7 +12583,7 @@
 </p:sld>
 </file>
 
-<file path=ppt/slides/slide14.xml><?xml version="1.0" encoding="utf-8"?>
+<file path=ppt/slides/slide13.xml><?xml version="1.0" encoding="utf-8"?>
 <p:sld xmlns:a="http://schemas.openxmlformats.org/drawingml/2006/main" xmlns:r="http://schemas.openxmlformats.org/officeDocument/2006/relationships" xmlns:p="http://schemas.openxmlformats.org/presentationml/2006/main">
   <p:cSld>
     <p:spTree>
@@ -13231,557 +12698,74 @@
       </p:grpSpPr>
       <p:sp>
         <p:nvSpPr>
-          <p:cNvPr id="2" name="TextBox 1">
-            <a:extLst>
-              <a:ext uri="{FF2B5EF4-FFF2-40B4-BE49-F238E27FC236}">
-                <a16:creationId xmlns:a16="http://schemas.microsoft.com/office/drawing/2014/main" xmlns="" id="{DAEBFA13-A753-F749-A17A-3F17619B048B}"/>
-              </a:ext>
-            </a:extLst>
-          </p:cNvPr>
-          <p:cNvSpPr txBox="1"/>
-          <p:nvPr/>
+          <p:cNvPr id="3" name="Segnaposto testo 2"/>
+          <p:cNvSpPr>
+            <a:spLocks noGrp="1"/>
+          </p:cNvSpPr>
+          <p:nvPr>
+            <p:ph type="body" idx="1"/>
+          </p:nvPr>
         </p:nvSpPr>
         <p:spPr>
           <a:xfrm>
-            <a:off x="688442" y="1443841"/>
-            <a:ext cx="7767115" cy="3970318"/>
+            <a:off x="762000" y="1676400"/>
+            <a:ext cx="7772400" cy="3124200"/>
           </a:xfrm>
-          <a:prstGeom prst="rect">
-            <a:avLst/>
-          </a:prstGeom>
-          <a:noFill/>
         </p:spPr>
         <p:txBody>
-          <a:bodyPr wrap="square" rtlCol="0">
-            <a:spAutoFit/>
+          <a:bodyPr>
+            <a:normAutofit/>
           </a:bodyPr>
           <a:lstStyle/>
           <a:p>
-            <a:pPr marL="0" marR="0" lvl="0" indent="0" algn="ctr" defTabSz="914400" rtl="0" eaLnBrk="1" fontAlgn="base" latinLnBrk="0" hangingPunct="1">
-              <a:lnSpc>
-                <a:spcPct val="100000"/>
-              </a:lnSpc>
-              <a:spcBef>
-                <a:spcPct val="0"/>
-              </a:spcBef>
-              <a:spcAft>
-                <a:spcPct val="0"/>
-              </a:spcAft>
-              <a:buClrTx/>
-              <a:buSzTx/>
-              <a:buFontTx/>
-              <a:buNone/>
-              <a:tabLst/>
-              <a:defRPr/>
-            </a:pPr>
-            <a:r>
-              <a:rPr kumimoji="0" lang="en-US" altLang="x-none" sz="2800" b="1" i="0" u="none" strike="noStrike" kern="1200" cap="none" spc="0" normalizeH="0" baseline="0" noProof="0" dirty="0">
-                <a:ln>
-                  <a:noFill/>
-                </a:ln>
-                <a:solidFill>
-                  <a:schemeClr val="tx1">
-                    <a:lumMod val="50000"/>
-                    <a:lumOff val="50000"/>
-                  </a:schemeClr>
-                </a:solidFill>
-                <a:effectLst/>
-                <a:uLnTx/>
-                <a:uFillTx/>
-                <a:latin typeface="Gill Sans MT" panose="020B0502020104020203" pitchFamily="34" charset="77"/>
-                <a:ea typeface="+mn-ea"/>
-                <a:cs typeface="+mn-cs"/>
-              </a:rPr>
-              <a:t>Part 1.</a:t>
-            </a:r>
-            <a:r>
-              <a:rPr lang="en-US" altLang="x-none" sz="2800" dirty="0">
-                <a:solidFill>
-                  <a:schemeClr val="tx1">
-                    <a:lumMod val="50000"/>
-                    <a:lumOff val="50000"/>
-                  </a:schemeClr>
-                </a:solidFill>
-                <a:latin typeface="Gill Sans MT" panose="020B0502020104020203" pitchFamily="34" charset="77"/>
-              </a:rPr>
-              <a:t>   </a:t>
-            </a:r>
-            <a:r>
-              <a:rPr lang="en-US" altLang="x-none" sz="2800" b="1" dirty="0">
-                <a:solidFill>
-                  <a:schemeClr val="tx1">
-                    <a:lumMod val="50000"/>
-                    <a:lumOff val="50000"/>
-                  </a:schemeClr>
-                </a:solidFill>
-                <a:latin typeface="Gill Sans MT" panose="020B0502020104020203" pitchFamily="34" charset="77"/>
-              </a:rPr>
-              <a:t>Motivation</a:t>
-            </a:r>
-            <a:r>
-              <a:rPr kumimoji="0" lang="en-US" altLang="x-none" sz="2800" b="0" i="0" u="none" strike="noStrike" kern="1200" cap="none" spc="0" normalizeH="0" baseline="0" noProof="0" dirty="0">
-                <a:ln>
-                  <a:noFill/>
-                </a:ln>
-                <a:solidFill>
-                  <a:schemeClr val="tx1">
-                    <a:lumMod val="50000"/>
-                    <a:lumOff val="50000"/>
-                  </a:schemeClr>
-                </a:solidFill>
-                <a:effectLst/>
-                <a:uLnTx/>
-                <a:uFillTx/>
-                <a:latin typeface="Gill Sans MT" panose="020B0502020104020203" pitchFamily="34" charset="77"/>
-                <a:ea typeface="+mn-ea"/>
-                <a:cs typeface="+mn-cs"/>
-              </a:rPr>
-              <a:t/>
-            </a:r>
-            <a:br>
-              <a:rPr kumimoji="0" lang="en-US" altLang="x-none" sz="2800" b="0" i="0" u="none" strike="noStrike" kern="1200" cap="none" spc="0" normalizeH="0" baseline="0" noProof="0" dirty="0">
-                <a:ln>
-                  <a:noFill/>
-                </a:ln>
-                <a:solidFill>
-                  <a:schemeClr val="tx1">
-                    <a:lumMod val="50000"/>
-                    <a:lumOff val="50000"/>
-                  </a:schemeClr>
-                </a:solidFill>
-                <a:effectLst/>
-                <a:uLnTx/>
-                <a:uFillTx/>
-                <a:latin typeface="Gill Sans MT" panose="020B0502020104020203" pitchFamily="34" charset="77"/>
-                <a:ea typeface="+mn-ea"/>
-                <a:cs typeface="+mn-cs"/>
-              </a:rPr>
-            </a:br>
-            <a:r>
-              <a:rPr kumimoji="0" lang="en-US" altLang="x-none" sz="2800" b="0" i="0" u="none" strike="noStrike" kern="1200" cap="none" spc="0" normalizeH="0" baseline="0" noProof="0" dirty="0">
-                <a:ln>
-                  <a:noFill/>
-                </a:ln>
-                <a:solidFill>
-                  <a:schemeClr val="tx1">
-                    <a:lumMod val="50000"/>
-                    <a:lumOff val="50000"/>
-                  </a:schemeClr>
-                </a:solidFill>
-                <a:effectLst/>
-                <a:uLnTx/>
-                <a:uFillTx/>
-                <a:latin typeface="Gill Sans MT" panose="020B0502020104020203" pitchFamily="34" charset="77"/>
-                <a:ea typeface="+mn-ea"/>
-                <a:cs typeface="+mn-cs"/>
-              </a:rPr>
-              <a:t>Finnish-type amyloidogenic gelsolin variant - </a:t>
-            </a:r>
-          </a:p>
-          <a:p>
-            <a:pPr marL="0" marR="0" lvl="0" indent="0" algn="ctr" defTabSz="914400" rtl="0" eaLnBrk="1" fontAlgn="base" latinLnBrk="0" hangingPunct="1">
-              <a:lnSpc>
-                <a:spcPct val="100000"/>
-              </a:lnSpc>
-              <a:spcBef>
-                <a:spcPct val="0"/>
-              </a:spcBef>
-              <a:spcAft>
-                <a:spcPct val="0"/>
-              </a:spcAft>
-              <a:buClrTx/>
-              <a:buSzTx/>
-              <a:buFontTx/>
-              <a:buNone/>
-              <a:tabLst/>
-              <a:defRPr/>
-            </a:pPr>
-            <a:r>
-              <a:rPr kumimoji="0" lang="en-US" altLang="x-none" sz="2800" b="0" i="0" u="none" strike="noStrike" kern="1200" cap="none" spc="0" normalizeH="0" baseline="0" noProof="0" dirty="0">
-                <a:ln>
-                  <a:noFill/>
-                </a:ln>
-                <a:solidFill>
-                  <a:schemeClr val="tx1">
-                    <a:lumMod val="50000"/>
-                    <a:lumOff val="50000"/>
-                  </a:schemeClr>
-                </a:solidFill>
-                <a:effectLst/>
-                <a:uLnTx/>
-                <a:uFillTx/>
-                <a:latin typeface="Gill Sans MT" panose="020B0502020104020203" pitchFamily="34" charset="77"/>
-                <a:ea typeface="+mn-ea"/>
-                <a:cs typeface="+mn-cs"/>
-              </a:rPr>
-              <a:t>an example of protein dynamics playing a role in proteotoxicity and drug design discovered by MD.</a:t>
-            </a:r>
-          </a:p>
-          <a:p>
-            <a:pPr marL="0" marR="0" lvl="0" indent="0" algn="ctr" defTabSz="914400" rtl="0" eaLnBrk="1" fontAlgn="base" latinLnBrk="0" hangingPunct="1">
-              <a:lnSpc>
-                <a:spcPct val="100000"/>
-              </a:lnSpc>
-              <a:spcBef>
-                <a:spcPct val="0"/>
-              </a:spcBef>
-              <a:spcAft>
-                <a:spcPct val="0"/>
-              </a:spcAft>
-              <a:buClrTx/>
-              <a:buSzTx/>
-              <a:buFontTx/>
-              <a:buNone/>
-              <a:tabLst/>
-              <a:defRPr/>
-            </a:pPr>
-            <a:endParaRPr kumimoji="0" lang="en-US" altLang="x-none" sz="2800" b="0" i="0" u="none" strike="noStrike" kern="1200" cap="none" spc="0" normalizeH="0" baseline="0" noProof="0" dirty="0">
-              <a:ln>
-                <a:noFill/>
-              </a:ln>
-              <a:solidFill>
-                <a:schemeClr val="tx1">
-                  <a:lumMod val="50000"/>
-                  <a:lumOff val="50000"/>
-                </a:schemeClr>
-              </a:solidFill>
-              <a:effectLst/>
-              <a:uLnTx/>
-              <a:uFillTx/>
-              <a:latin typeface="Gill Sans MT" panose="020B0502020104020203" pitchFamily="34" charset="77"/>
-              <a:ea typeface="+mn-ea"/>
-              <a:cs typeface="+mn-cs"/>
-            </a:endParaRPr>
-          </a:p>
-          <a:p>
-            <a:pPr marL="0" marR="0" lvl="0" indent="0" algn="ctr" defTabSz="914400" rtl="0" eaLnBrk="1" fontAlgn="base" latinLnBrk="0" hangingPunct="1">
-              <a:lnSpc>
-                <a:spcPct val="100000"/>
-              </a:lnSpc>
-              <a:spcBef>
-                <a:spcPct val="0"/>
-              </a:spcBef>
-              <a:spcAft>
-                <a:spcPct val="0"/>
-              </a:spcAft>
-              <a:buClrTx/>
-              <a:buSzTx/>
-              <a:buFontTx/>
-              <a:buNone/>
-              <a:tabLst/>
-              <a:defRPr/>
-            </a:pPr>
-            <a:endParaRPr kumimoji="0" lang="en-US" altLang="x-none" sz="2800" b="0" i="0" u="none" strike="noStrike" kern="1200" cap="none" spc="0" normalizeH="0" baseline="0" noProof="0" dirty="0">
-              <a:ln>
-                <a:noFill/>
-              </a:ln>
-              <a:solidFill>
-                <a:prstClr val="black"/>
-              </a:solidFill>
-              <a:effectLst/>
-              <a:uLnTx/>
-              <a:uFillTx/>
-              <a:latin typeface="Gill Sans MT" panose="020B0502020104020203" pitchFamily="34" charset="77"/>
-              <a:ea typeface="+mn-ea"/>
-              <a:cs typeface="+mn-cs"/>
-            </a:endParaRPr>
-          </a:p>
-          <a:p>
-            <a:pPr marL="0" marR="0" lvl="0" indent="0" algn="ctr" defTabSz="914400" rtl="0" eaLnBrk="1" fontAlgn="base" latinLnBrk="0" hangingPunct="1">
-              <a:lnSpc>
-                <a:spcPct val="100000"/>
-              </a:lnSpc>
-              <a:spcBef>
-                <a:spcPct val="0"/>
-              </a:spcBef>
-              <a:spcAft>
-                <a:spcPct val="0"/>
-              </a:spcAft>
-              <a:buClrTx/>
-              <a:buSzTx/>
-              <a:buFontTx/>
-              <a:buNone/>
-              <a:tabLst/>
-              <a:defRPr/>
-            </a:pPr>
-            <a:r>
-              <a:rPr kumimoji="0" lang="en-US" altLang="x-none" sz="2800" b="1" i="0" u="none" strike="noStrike" kern="1200" cap="none" spc="0" normalizeH="0" baseline="0" noProof="0" dirty="0">
-                <a:ln>
-                  <a:noFill/>
-                </a:ln>
-                <a:solidFill>
-                  <a:prstClr val="black"/>
-                </a:solidFill>
-                <a:effectLst/>
-                <a:uLnTx/>
-                <a:uFillTx/>
-                <a:latin typeface="Gill Sans MT" panose="020B0502020104020203" pitchFamily="34" charset="77"/>
-                <a:ea typeface="+mn-ea"/>
-                <a:cs typeface="+mn-cs"/>
-              </a:rPr>
-              <a:t>Part II.   </a:t>
-            </a:r>
-            <a:r>
-              <a:rPr kumimoji="0" lang="en-US" altLang="x-none" sz="2800" b="1" u="none" strike="noStrike" kern="1200" cap="none" spc="0" normalizeH="0" baseline="0" noProof="0" dirty="0">
-                <a:ln>
-                  <a:noFill/>
-                </a:ln>
-                <a:solidFill>
-                  <a:prstClr val="black"/>
-                </a:solidFill>
-                <a:effectLst/>
-                <a:uLnTx/>
-                <a:uFillTx/>
-                <a:latin typeface="Gill Sans MT" panose="020B0502020104020203" pitchFamily="34" charset="77"/>
-                <a:ea typeface="+mn-ea"/>
-                <a:cs typeface="+mn-cs"/>
-              </a:rPr>
+            <a:r>
+              <a:rPr lang="it-IT" dirty="0"/>
+              <a:t>Part II.</a:t>
+            </a:r>
+          </a:p>
+          <a:p>
+            <a:r>
+              <a:rPr lang="it-IT" dirty="0"/>
+              <a:t>MD </a:t>
+            </a:r>
+            <a:r>
+              <a:rPr lang="it-IT" dirty="0" err="1"/>
+              <a:t>analysis</a:t>
+            </a:r>
+            <a:r>
+              <a:rPr lang="it-IT" dirty="0"/>
+              <a:t> </a:t>
+            </a:r>
+            <a:r>
+              <a:rPr lang="it-IT" dirty="0" err="1"/>
+              <a:t>libraries</a:t>
+            </a:r>
+            <a:endParaRPr lang="it-IT" dirty="0"/>
+          </a:p>
+          <a:p>
+            <a:endParaRPr lang="it-IT" dirty="0"/>
+          </a:p>
+          <a:p>
+            <a:r>
+              <a:rPr lang="it-IT" dirty="0"/>
+              <a:t>(</a:t>
+            </a:r>
+            <a:r>
+              <a:rPr lang="it-IT" dirty="0" err="1"/>
               <a:t>Practice</a:t>
             </a:r>
-          </a:p>
-          <a:p>
-            <a:pPr marL="0" marR="0" lvl="0" indent="0" algn="ctr" defTabSz="914400" rtl="0" eaLnBrk="1" fontAlgn="base" latinLnBrk="0" hangingPunct="1">
-              <a:lnSpc>
-                <a:spcPct val="100000"/>
-              </a:lnSpc>
-              <a:spcBef>
-                <a:spcPct val="0"/>
-              </a:spcBef>
-              <a:spcAft>
-                <a:spcPct val="0"/>
-              </a:spcAft>
-              <a:buClrTx/>
-              <a:buSzTx/>
-              <a:buFontTx/>
-              <a:buNone/>
-              <a:tabLst/>
-              <a:defRPr/>
-            </a:pPr>
-            <a:r>
-              <a:rPr kumimoji="0" lang="en-US" altLang="x-none" sz="2800" b="0" i="0" u="none" strike="noStrike" kern="1200" cap="none" spc="0" normalizeH="0" baseline="0" noProof="0" dirty="0">
-                <a:ln>
-                  <a:noFill/>
-                </a:ln>
-                <a:solidFill>
-                  <a:prstClr val="black"/>
-                </a:solidFill>
-                <a:effectLst/>
-                <a:uLnTx/>
-                <a:uFillTx/>
-                <a:latin typeface="Gill Sans MT" panose="020B0502020104020203" pitchFamily="34" charset="77"/>
-                <a:ea typeface="+mn-ea"/>
-                <a:cs typeface="+mn-cs"/>
-              </a:rPr>
-              <a:t>MD analysis libraries: intro and reproduction of </a:t>
-            </a:r>
-            <a:br>
-              <a:rPr kumimoji="0" lang="en-US" altLang="x-none" sz="2800" b="0" i="0" u="none" strike="noStrike" kern="1200" cap="none" spc="0" normalizeH="0" baseline="0" noProof="0" dirty="0">
-                <a:ln>
-                  <a:noFill/>
-                </a:ln>
-                <a:solidFill>
-                  <a:prstClr val="black"/>
-                </a:solidFill>
-                <a:effectLst/>
-                <a:uLnTx/>
-                <a:uFillTx/>
-                <a:latin typeface="Gill Sans MT" panose="020B0502020104020203" pitchFamily="34" charset="77"/>
-                <a:ea typeface="+mn-ea"/>
-                <a:cs typeface="+mn-cs"/>
-              </a:rPr>
-            </a:br>
-            <a:r>
-              <a:rPr kumimoji="0" lang="en-US" altLang="x-none" sz="2800" b="0" i="0" u="none" strike="noStrike" kern="1200" cap="none" spc="0" normalizeH="0" baseline="0" noProof="0" dirty="0">
-                <a:ln>
-                  <a:noFill/>
-                </a:ln>
-                <a:solidFill>
-                  <a:prstClr val="black"/>
-                </a:solidFill>
-                <a:effectLst/>
-                <a:uLnTx/>
-                <a:uFillTx/>
-                <a:latin typeface="Gill Sans MT" panose="020B0502020104020203" pitchFamily="34" charset="77"/>
-                <a:ea typeface="+mn-ea"/>
-                <a:cs typeface="+mn-cs"/>
-              </a:rPr>
-              <a:t>the analysis* shown in the paper.</a:t>
-            </a:r>
-          </a:p>
-        </p:txBody>
-      </p:sp>
-      <p:pic>
-        <p:nvPicPr>
-          <p:cNvPr id="3" name="Graphic 2" descr="Head with gears">
-            <a:extLst>
-              <a:ext uri="{FF2B5EF4-FFF2-40B4-BE49-F238E27FC236}">
-                <a16:creationId xmlns:a16="http://schemas.microsoft.com/office/drawing/2014/main" xmlns="" id="{BB038357-E733-EC43-AFDF-533F7AF667A6}"/>
-              </a:ext>
-            </a:extLst>
-          </p:cNvPr>
-          <p:cNvPicPr>
-            <a:picLocks noChangeAspect="1"/>
-          </p:cNvPicPr>
-          <p:nvPr/>
-        </p:nvPicPr>
-        <p:blipFill>
-          <a:blip r:embed="rId2" cstate="print">
-            <a:extLst>
-              <a:ext uri="{28A0092B-C50C-407E-A947-70E740481C1C}">
-                <a14:useLocalDpi xmlns:a14="http://schemas.microsoft.com/office/drawing/2010/main" val="0"/>
-              </a:ext>
-              <a:ext uri="{96DAC541-7B7A-43D3-8B79-37D633B846F1}">
-                <asvg:svgBlip xmlns:asvg="http://schemas.microsoft.com/office/drawing/2016/SVG/main" xmlns="" r:embed="rId3"/>
-              </a:ext>
-            </a:extLst>
-          </a:blip>
-          <a:stretch>
-            <a:fillRect/>
-          </a:stretch>
-        </p:blipFill>
-        <p:spPr>
-          <a:xfrm>
-            <a:off x="7991165" y="5414159"/>
-            <a:ext cx="1152835" cy="1152835"/>
-          </a:xfrm>
-          <a:prstGeom prst="rect">
-            <a:avLst/>
-          </a:prstGeom>
-        </p:spPr>
-      </p:pic>
-      <p:sp>
-        <p:nvSpPr>
-          <p:cNvPr id="4" name="Rectangle 3">
-            <a:extLst>
-              <a:ext uri="{FF2B5EF4-FFF2-40B4-BE49-F238E27FC236}">
-                <a16:creationId xmlns:a16="http://schemas.microsoft.com/office/drawing/2014/main" xmlns="" id="{41B21AF7-9F0F-A94A-B02A-EA3BFE14AB6F}"/>
-              </a:ext>
-            </a:extLst>
-          </p:cNvPr>
-          <p:cNvSpPr/>
-          <p:nvPr/>
-        </p:nvSpPr>
-        <p:spPr>
-          <a:xfrm>
-            <a:off x="6459977" y="5667410"/>
-            <a:ext cx="1531188" cy="646331"/>
-          </a:xfrm>
-          <a:prstGeom prst="rect">
-            <a:avLst/>
-          </a:prstGeom>
-        </p:spPr>
-        <p:txBody>
-          <a:bodyPr wrap="none">
-            <a:spAutoFit/>
-          </a:bodyPr>
-          <a:lstStyle/>
-          <a:p>
-            <a:pPr marL="0" marR="0" lvl="0" indent="0" algn="ctr" defTabSz="914400" rtl="0" eaLnBrk="1" fontAlgn="base" latinLnBrk="0" hangingPunct="1">
-              <a:lnSpc>
-                <a:spcPct val="100000"/>
-              </a:lnSpc>
-              <a:spcBef>
-                <a:spcPct val="0"/>
-              </a:spcBef>
-              <a:spcAft>
-                <a:spcPct val="0"/>
-              </a:spcAft>
-              <a:buClrTx/>
-              <a:buSzTx/>
-              <a:buFontTx/>
-              <a:buNone/>
-              <a:tabLst/>
-              <a:defRPr/>
-            </a:pPr>
-            <a:r>
-              <a:rPr kumimoji="0" lang="en-US" altLang="x-none" sz="1800" b="0" i="0" u="none" strike="noStrike" kern="1200" cap="none" spc="0" normalizeH="0" baseline="0" noProof="0" dirty="0">
-                <a:ln>
-                  <a:noFill/>
-                </a:ln>
-                <a:solidFill>
-                  <a:prstClr val="black"/>
-                </a:solidFill>
-                <a:effectLst/>
-                <a:uLnTx/>
-                <a:uFillTx/>
-                <a:latin typeface="Gill Sans MT" panose="020B0502020104020203" pitchFamily="34" charset="77"/>
-                <a:ea typeface="+mn-ea"/>
-                <a:cs typeface="+mn-cs"/>
-              </a:rPr>
-              <a:t>* Marked with</a:t>
-            </a:r>
-            <a:br>
-              <a:rPr kumimoji="0" lang="en-US" altLang="x-none" sz="1800" b="0" i="0" u="none" strike="noStrike" kern="1200" cap="none" spc="0" normalizeH="0" baseline="0" noProof="0" dirty="0">
-                <a:ln>
-                  <a:noFill/>
-                </a:ln>
-                <a:solidFill>
-                  <a:prstClr val="black"/>
-                </a:solidFill>
-                <a:effectLst/>
-                <a:uLnTx/>
-                <a:uFillTx/>
-                <a:latin typeface="Gill Sans MT" panose="020B0502020104020203" pitchFamily="34" charset="77"/>
-                <a:ea typeface="+mn-ea"/>
-                <a:cs typeface="+mn-cs"/>
-              </a:rPr>
-            </a:br>
-            <a:r>
-              <a:rPr kumimoji="0" lang="en-US" altLang="x-none" sz="1800" b="0" i="0" u="none" strike="noStrike" kern="1200" cap="none" spc="0" normalizeH="0" baseline="0" noProof="0" dirty="0">
-                <a:ln>
-                  <a:noFill/>
-                </a:ln>
-                <a:solidFill>
-                  <a:prstClr val="black"/>
-                </a:solidFill>
-                <a:effectLst/>
-                <a:uLnTx/>
-                <a:uFillTx/>
-                <a:latin typeface="Gill Sans MT" panose="020B0502020104020203" pitchFamily="34" charset="77"/>
-                <a:ea typeface="+mn-ea"/>
-                <a:cs typeface="+mn-cs"/>
-              </a:rPr>
-              <a:t>this symbol </a:t>
-            </a:r>
-            <a:r>
-              <a:rPr kumimoji="0" lang="en-US" altLang="x-none" sz="1800" b="0" i="0" u="none" strike="noStrike" kern="1200" cap="none" spc="0" normalizeH="0" baseline="0" noProof="0" dirty="0">
-                <a:ln>
-                  <a:noFill/>
-                </a:ln>
-                <a:solidFill>
-                  <a:prstClr val="black"/>
-                </a:solidFill>
-                <a:effectLst/>
-                <a:uLnTx/>
-                <a:uFillTx/>
-                <a:latin typeface="Gill Sans MT" panose="020B0502020104020203" pitchFamily="34" charset="77"/>
-                <a:ea typeface="+mn-ea"/>
-                <a:cs typeface="+mn-cs"/>
-                <a:sym typeface="Wingdings" pitchFamily="2" charset="2"/>
-              </a:rPr>
-              <a:t></a:t>
-            </a:r>
-            <a:endParaRPr kumimoji="0" lang="x-none" sz="1800" b="0" i="0" u="none" strike="noStrike" kern="1200" cap="none" spc="0" normalizeH="0" baseline="0" noProof="0" dirty="0">
-              <a:ln>
-                <a:noFill/>
-              </a:ln>
-              <a:solidFill>
-                <a:prstClr val="black"/>
-              </a:solidFill>
-              <a:effectLst/>
-              <a:uLnTx/>
-              <a:uFillTx/>
-              <a:latin typeface="Arial" charset="0"/>
-              <a:ea typeface="+mn-ea"/>
-              <a:cs typeface="+mn-cs"/>
-            </a:endParaRPr>
+            <a:r>
+              <a:rPr lang="it-IT"/>
+              <a:t>)</a:t>
+            </a:r>
+            <a:endParaRPr lang="en-US" dirty="0"/>
           </a:p>
         </p:txBody>
       </p:sp>
     </p:spTree>
     <p:extLst>
       <p:ext uri="{BB962C8B-B14F-4D97-AF65-F5344CB8AC3E}">
-        <p14:creationId xmlns:p14="http://schemas.microsoft.com/office/powerpoint/2010/main" val="3829228719"/>
+        <p14:creationId xmlns:p14="http://schemas.microsoft.com/office/powerpoint/2010/main" val="1227001933"/>
       </p:ext>
     </p:extLst>
   </p:cSld>
@@ -13808,108 +12792,12 @@
           <a:chExt cx="0" cy="0"/>
         </a:xfrm>
       </p:grpSpPr>
-      <p:sp>
-        <p:nvSpPr>
-          <p:cNvPr id="3" name="Segnaposto testo 2"/>
-          <p:cNvSpPr>
-            <a:spLocks noGrp="1"/>
-          </p:cNvSpPr>
-          <p:nvPr>
-            <p:ph type="body" idx="1"/>
-          </p:nvPr>
-        </p:nvSpPr>
-        <p:spPr>
-          <a:xfrm>
-            <a:off x="762000" y="1676400"/>
-            <a:ext cx="7772400" cy="3124200"/>
-          </a:xfrm>
-        </p:spPr>
-        <p:txBody>
-          <a:bodyPr>
-            <a:normAutofit/>
-          </a:bodyPr>
-          <a:lstStyle/>
-          <a:p>
-            <a:r>
-              <a:rPr lang="it-IT" dirty="0"/>
-              <a:t>Part II.</a:t>
-            </a:r>
-          </a:p>
-          <a:p>
-            <a:r>
-              <a:rPr lang="it-IT" dirty="0"/>
-              <a:t>MD </a:t>
-            </a:r>
-            <a:r>
-              <a:rPr lang="it-IT" dirty="0" err="1"/>
-              <a:t>analysis</a:t>
-            </a:r>
-            <a:r>
-              <a:rPr lang="it-IT" dirty="0"/>
-              <a:t> </a:t>
-            </a:r>
-            <a:r>
-              <a:rPr lang="it-IT" dirty="0" err="1"/>
-              <a:t>libraries</a:t>
-            </a:r>
-            <a:endParaRPr lang="it-IT" dirty="0"/>
-          </a:p>
-          <a:p>
-            <a:endParaRPr lang="it-IT" dirty="0"/>
-          </a:p>
-          <a:p>
-            <a:r>
-              <a:rPr lang="it-IT" dirty="0"/>
-              <a:t>(</a:t>
-            </a:r>
-            <a:r>
-              <a:rPr lang="it-IT" dirty="0" err="1"/>
-              <a:t>Practice</a:t>
-            </a:r>
-            <a:r>
-              <a:rPr lang="it-IT"/>
-              <a:t>)</a:t>
-            </a:r>
-            <a:endParaRPr lang="en-US" dirty="0"/>
-          </a:p>
-        </p:txBody>
-      </p:sp>
-    </p:spTree>
-    <p:extLst>
-      <p:ext uri="{BB962C8B-B14F-4D97-AF65-F5344CB8AC3E}">
-        <p14:creationId xmlns:p14="http://schemas.microsoft.com/office/powerpoint/2010/main" val="1227001933"/>
-      </p:ext>
-    </p:extLst>
-  </p:cSld>
-  <p:clrMapOvr>
-    <a:masterClrMapping/>
-  </p:clrMapOvr>
-</p:sld>
-</file>
-
-<file path=ppt/slides/slide4.xml><?xml version="1.0" encoding="utf-8"?>
-<p:sld xmlns:a="http://schemas.openxmlformats.org/drawingml/2006/main" xmlns:r="http://schemas.openxmlformats.org/officeDocument/2006/relationships" xmlns:p="http://schemas.openxmlformats.org/presentationml/2006/main">
-  <p:cSld>
-    <p:spTree>
-      <p:nvGrpSpPr>
-        <p:cNvPr id="1" name=""/>
-        <p:cNvGrpSpPr/>
-        <p:nvPr/>
-      </p:nvGrpSpPr>
-      <p:grpSpPr>
-        <a:xfrm>
-          <a:off x="0" y="0"/>
-          <a:ext cx="0" cy="0"/>
-          <a:chOff x="0" y="0"/>
-          <a:chExt cx="0" cy="0"/>
-        </a:xfrm>
-      </p:grpSpPr>
       <p:pic>
         <p:nvPicPr>
           <p:cNvPr id="9" name="Picture 8">
             <a:extLst>
               <a:ext uri="{FF2B5EF4-FFF2-40B4-BE49-F238E27FC236}">
-                <a16:creationId xmlns:a16="http://schemas.microsoft.com/office/drawing/2014/main" xmlns="" id="{2CFDC057-102B-DE44-A191-BEE3834BD658}"/>
+                <a16:creationId xmlns:a16="http://schemas.microsoft.com/office/drawing/2014/main" id="{2CFDC057-102B-DE44-A191-BEE3834BD658}"/>
               </a:ext>
             </a:extLst>
           </p:cNvPr>
@@ -13939,7 +12827,7 @@
           <p:cNvPr id="1026" name="Picture 2">
             <a:extLst>
               <a:ext uri="{FF2B5EF4-FFF2-40B4-BE49-F238E27FC236}">
-                <a16:creationId xmlns:a16="http://schemas.microsoft.com/office/drawing/2014/main" xmlns="" id="{EC334461-F42B-3D48-AF15-8920FF54A3FE}"/>
+                <a16:creationId xmlns:a16="http://schemas.microsoft.com/office/drawing/2014/main" id="{EC334461-F42B-3D48-AF15-8920FF54A3FE}"/>
               </a:ext>
             </a:extLst>
           </p:cNvPr>
@@ -13986,7 +12874,7 @@
           <p:cNvPr id="12" name="TextBox 11">
             <a:extLst>
               <a:ext uri="{FF2B5EF4-FFF2-40B4-BE49-F238E27FC236}">
-                <a16:creationId xmlns:a16="http://schemas.microsoft.com/office/drawing/2014/main" xmlns="" id="{B48DF38F-8AD0-FD43-BF57-DFFF7069C580}"/>
+                <a16:creationId xmlns:a16="http://schemas.microsoft.com/office/drawing/2014/main" id="{B48DF38F-8AD0-FD43-BF57-DFFF7069C580}"/>
               </a:ext>
             </a:extLst>
           </p:cNvPr>
@@ -14036,6 +12924,207 @@
     <p:extLst>
       <p:ext uri="{BB962C8B-B14F-4D97-AF65-F5344CB8AC3E}">
         <p14:creationId xmlns:p14="http://schemas.microsoft.com/office/powerpoint/2010/main" val="485482937"/>
+      </p:ext>
+    </p:extLst>
+  </p:cSld>
+  <p:clrMapOvr>
+    <a:masterClrMapping/>
+  </p:clrMapOvr>
+</p:sld>
+</file>
+
+<file path=ppt/slides/slide4.xml><?xml version="1.0" encoding="utf-8"?>
+<p:sld xmlns:a="http://schemas.openxmlformats.org/drawingml/2006/main" xmlns:r="http://schemas.openxmlformats.org/officeDocument/2006/relationships" xmlns:p="http://schemas.openxmlformats.org/presentationml/2006/main">
+  <p:cSld>
+    <p:spTree>
+      <p:nvGrpSpPr>
+        <p:cNvPr id="1" name=""/>
+        <p:cNvGrpSpPr/>
+        <p:nvPr/>
+      </p:nvGrpSpPr>
+      <p:grpSpPr>
+        <a:xfrm>
+          <a:off x="0" y="0"/>
+          <a:ext cx="0" cy="0"/>
+          <a:chOff x="0" y="0"/>
+          <a:chExt cx="0" cy="0"/>
+        </a:xfrm>
+      </p:grpSpPr>
+      <p:sp>
+        <p:nvSpPr>
+          <p:cNvPr id="2" name="Title 1">
+            <a:extLst>
+              <a:ext uri="{FF2B5EF4-FFF2-40B4-BE49-F238E27FC236}">
+                <a16:creationId xmlns:a16="http://schemas.microsoft.com/office/drawing/2014/main" id="{561CCDCB-2A36-2645-A9A3-7BB4FA8BBCB9}"/>
+              </a:ext>
+            </a:extLst>
+          </p:cNvPr>
+          <p:cNvSpPr>
+            <a:spLocks noGrp="1"/>
+          </p:cNvSpPr>
+          <p:nvPr>
+            <p:ph type="title"/>
+          </p:nvPr>
+        </p:nvSpPr>
+        <p:spPr/>
+        <p:txBody>
+          <a:bodyPr/>
+          <a:lstStyle/>
+          <a:p>
+            <a:r>
+              <a:rPr lang="x-none" dirty="0"/>
+              <a:t>Analysis of MD trajectories</a:t>
+            </a:r>
+          </a:p>
+        </p:txBody>
+      </p:sp>
+      <p:sp>
+        <p:nvSpPr>
+          <p:cNvPr id="3" name="Content Placeholder 2">
+            <a:extLst>
+              <a:ext uri="{FF2B5EF4-FFF2-40B4-BE49-F238E27FC236}">
+                <a16:creationId xmlns:a16="http://schemas.microsoft.com/office/drawing/2014/main" id="{001914DD-CF86-0745-90ED-FD0AEEE9E342}"/>
+              </a:ext>
+            </a:extLst>
+          </p:cNvPr>
+          <p:cNvSpPr>
+            <a:spLocks noGrp="1"/>
+          </p:cNvSpPr>
+          <p:nvPr>
+            <p:ph idx="1"/>
+          </p:nvPr>
+        </p:nvSpPr>
+        <p:spPr/>
+        <p:txBody>
+          <a:bodyPr/>
+          <a:lstStyle/>
+          <a:p>
+            <a:r>
+              <a:rPr lang="x-none" dirty="0"/>
+              <a:t>I</a:t>
+            </a:r>
+            <a:r>
+              <a:rPr lang="en-US" dirty="0"/>
+              <a:t>n</a:t>
+            </a:r>
+            <a:r>
+              <a:rPr lang="x-none" dirty="0"/>
+              <a:t>teractive:  VMD, Chimera, PyMol…</a:t>
+            </a:r>
+          </a:p>
+          <a:p>
+            <a:pPr lvl="1"/>
+            <a:r>
+              <a:rPr lang="x-none" dirty="0">
+                <a:solidFill>
+                  <a:srgbClr val="006600"/>
+                </a:solidFill>
+              </a:rPr>
+              <a:t>Intuitive</a:t>
+            </a:r>
+          </a:p>
+          <a:p>
+            <a:pPr lvl="1"/>
+            <a:r>
+              <a:rPr lang="x-none" dirty="0">
+                <a:solidFill>
+                  <a:srgbClr val="C00000"/>
+                </a:solidFill>
+              </a:rPr>
+              <a:t>Suitable for one-off tasks</a:t>
+            </a:r>
+          </a:p>
+          <a:p>
+            <a:r>
+              <a:rPr lang="x-none" dirty="0"/>
+              <a:t>Scripted: for…</a:t>
+            </a:r>
+          </a:p>
+          <a:p>
+            <a:pPr lvl="1"/>
+            <a:r>
+              <a:rPr lang="x-none" dirty="0"/>
+              <a:t>repeated analysis (e.g. ensembles)</a:t>
+            </a:r>
+          </a:p>
+          <a:p>
+            <a:pPr lvl="1"/>
+            <a:r>
+              <a:rPr lang="x-none" dirty="0"/>
+              <a:t>custom tasks (your own ideas)</a:t>
+            </a:r>
+          </a:p>
+          <a:p>
+            <a:pPr lvl="1"/>
+            <a:r>
+              <a:rPr lang="x-none" dirty="0"/>
+              <a:t>automated analysis, e.g. machine learning</a:t>
+            </a:r>
+          </a:p>
+          <a:p>
+            <a:r>
+              <a:rPr lang="x-none" dirty="0">
+                <a:solidFill>
+                  <a:schemeClr val="tx2"/>
+                </a:solidFill>
+              </a:rPr>
+              <a:t>Analysis libraries are needed</a:t>
+            </a:r>
+          </a:p>
+          <a:p>
+            <a:pPr lvl="1"/>
+            <a:endParaRPr lang="x-none" dirty="0"/>
+          </a:p>
+        </p:txBody>
+      </p:sp>
+      <p:sp>
+        <p:nvSpPr>
+          <p:cNvPr id="4" name="Right Arrow 3">
+            <a:extLst>
+              <a:ext uri="{FF2B5EF4-FFF2-40B4-BE49-F238E27FC236}">
+                <a16:creationId xmlns:a16="http://schemas.microsoft.com/office/drawing/2014/main" id="{E1EEFC54-651C-0341-9DA1-2B55A4A69DF2}"/>
+              </a:ext>
+            </a:extLst>
+          </p:cNvPr>
+          <p:cNvSpPr/>
+          <p:nvPr/>
+        </p:nvSpPr>
+        <p:spPr>
+          <a:xfrm rot="10800000">
+            <a:off x="6096001" y="5486399"/>
+            <a:ext cx="914400" cy="381000"/>
+          </a:xfrm>
+          <a:prstGeom prst="rightArrow">
+            <a:avLst/>
+          </a:prstGeom>
+        </p:spPr>
+        <p:style>
+          <a:lnRef idx="1">
+            <a:schemeClr val="accent1"/>
+          </a:lnRef>
+          <a:fillRef idx="3">
+            <a:schemeClr val="accent1"/>
+          </a:fillRef>
+          <a:effectRef idx="2">
+            <a:schemeClr val="accent1"/>
+          </a:effectRef>
+          <a:fontRef idx="minor">
+            <a:schemeClr val="lt1"/>
+          </a:fontRef>
+        </p:style>
+        <p:txBody>
+          <a:bodyPr rtlCol="0" anchor="ctr"/>
+          <a:lstStyle/>
+          <a:p>
+            <a:pPr algn="ctr"/>
+            <a:endParaRPr lang="x-none"/>
+          </a:p>
+        </p:txBody>
+      </p:sp>
+    </p:spTree>
+    <p:extLst>
+      <p:ext uri="{BB962C8B-B14F-4D97-AF65-F5344CB8AC3E}">
+        <p14:creationId xmlns:p14="http://schemas.microsoft.com/office/powerpoint/2010/main" val="335263634"/>
       </p:ext>
     </p:extLst>
   </p:cSld>
@@ -14067,208 +13156,7 @@
           <p:cNvPr id="2" name="Title 1">
             <a:extLst>
               <a:ext uri="{FF2B5EF4-FFF2-40B4-BE49-F238E27FC236}">
-                <a16:creationId xmlns:a16="http://schemas.microsoft.com/office/drawing/2014/main" xmlns="" id="{561CCDCB-2A36-2645-A9A3-7BB4FA8BBCB9}"/>
-              </a:ext>
-            </a:extLst>
-          </p:cNvPr>
-          <p:cNvSpPr>
-            <a:spLocks noGrp="1"/>
-          </p:cNvSpPr>
-          <p:nvPr>
-            <p:ph type="title"/>
-          </p:nvPr>
-        </p:nvSpPr>
-        <p:spPr/>
-        <p:txBody>
-          <a:bodyPr/>
-          <a:lstStyle/>
-          <a:p>
-            <a:r>
-              <a:rPr lang="x-none" dirty="0"/>
-              <a:t>Analysis of MD trajectories</a:t>
-            </a:r>
-          </a:p>
-        </p:txBody>
-      </p:sp>
-      <p:sp>
-        <p:nvSpPr>
-          <p:cNvPr id="3" name="Content Placeholder 2">
-            <a:extLst>
-              <a:ext uri="{FF2B5EF4-FFF2-40B4-BE49-F238E27FC236}">
-                <a16:creationId xmlns:a16="http://schemas.microsoft.com/office/drawing/2014/main" xmlns="" id="{001914DD-CF86-0745-90ED-FD0AEEE9E342}"/>
-              </a:ext>
-            </a:extLst>
-          </p:cNvPr>
-          <p:cNvSpPr>
-            <a:spLocks noGrp="1"/>
-          </p:cNvSpPr>
-          <p:nvPr>
-            <p:ph idx="1"/>
-          </p:nvPr>
-        </p:nvSpPr>
-        <p:spPr/>
-        <p:txBody>
-          <a:bodyPr/>
-          <a:lstStyle/>
-          <a:p>
-            <a:r>
-              <a:rPr lang="x-none" dirty="0"/>
-              <a:t>I</a:t>
-            </a:r>
-            <a:r>
-              <a:rPr lang="en-US" dirty="0"/>
-              <a:t>n</a:t>
-            </a:r>
-            <a:r>
-              <a:rPr lang="x-none" dirty="0"/>
-              <a:t>teractive:  VMD, Chimera, PyMol…</a:t>
-            </a:r>
-          </a:p>
-          <a:p>
-            <a:pPr lvl="1"/>
-            <a:r>
-              <a:rPr lang="x-none" dirty="0">
-                <a:solidFill>
-                  <a:srgbClr val="006600"/>
-                </a:solidFill>
-              </a:rPr>
-              <a:t>Intuitive</a:t>
-            </a:r>
-          </a:p>
-          <a:p>
-            <a:pPr lvl="1"/>
-            <a:r>
-              <a:rPr lang="x-none" dirty="0">
-                <a:solidFill>
-                  <a:srgbClr val="C00000"/>
-                </a:solidFill>
-              </a:rPr>
-              <a:t>Suitable for one-off tasks</a:t>
-            </a:r>
-          </a:p>
-          <a:p>
-            <a:r>
-              <a:rPr lang="x-none" dirty="0"/>
-              <a:t>Scripted: for…</a:t>
-            </a:r>
-          </a:p>
-          <a:p>
-            <a:pPr lvl="1"/>
-            <a:r>
-              <a:rPr lang="x-none" dirty="0"/>
-              <a:t>repeated analysis (e.g. ensembles)</a:t>
-            </a:r>
-          </a:p>
-          <a:p>
-            <a:pPr lvl="1"/>
-            <a:r>
-              <a:rPr lang="x-none" dirty="0"/>
-              <a:t>custom tasks (your own ideas)</a:t>
-            </a:r>
-          </a:p>
-          <a:p>
-            <a:pPr lvl="1"/>
-            <a:r>
-              <a:rPr lang="x-none" dirty="0"/>
-              <a:t>automated analysis, e.g. machine learning</a:t>
-            </a:r>
-          </a:p>
-          <a:p>
-            <a:r>
-              <a:rPr lang="x-none" dirty="0">
-                <a:solidFill>
-                  <a:schemeClr val="tx2"/>
-                </a:solidFill>
-              </a:rPr>
-              <a:t>Analysis libraries are needed</a:t>
-            </a:r>
-          </a:p>
-          <a:p>
-            <a:pPr lvl="1"/>
-            <a:endParaRPr lang="x-none" dirty="0"/>
-          </a:p>
-        </p:txBody>
-      </p:sp>
-      <p:sp>
-        <p:nvSpPr>
-          <p:cNvPr id="4" name="Right Arrow 3">
-            <a:extLst>
-              <a:ext uri="{FF2B5EF4-FFF2-40B4-BE49-F238E27FC236}">
-                <a16:creationId xmlns:a16="http://schemas.microsoft.com/office/drawing/2014/main" xmlns="" id="{E1EEFC54-651C-0341-9DA1-2B55A4A69DF2}"/>
-              </a:ext>
-            </a:extLst>
-          </p:cNvPr>
-          <p:cNvSpPr/>
-          <p:nvPr/>
-        </p:nvSpPr>
-        <p:spPr>
-          <a:xfrm rot="10800000">
-            <a:off x="6096001" y="5486399"/>
-            <a:ext cx="914400" cy="381000"/>
-          </a:xfrm>
-          <a:prstGeom prst="rightArrow">
-            <a:avLst/>
-          </a:prstGeom>
-        </p:spPr>
-        <p:style>
-          <a:lnRef idx="1">
-            <a:schemeClr val="accent1"/>
-          </a:lnRef>
-          <a:fillRef idx="3">
-            <a:schemeClr val="accent1"/>
-          </a:fillRef>
-          <a:effectRef idx="2">
-            <a:schemeClr val="accent1"/>
-          </a:effectRef>
-          <a:fontRef idx="minor">
-            <a:schemeClr val="lt1"/>
-          </a:fontRef>
-        </p:style>
-        <p:txBody>
-          <a:bodyPr rtlCol="0" anchor="ctr"/>
-          <a:lstStyle/>
-          <a:p>
-            <a:pPr algn="ctr"/>
-            <a:endParaRPr lang="x-none"/>
-          </a:p>
-        </p:txBody>
-      </p:sp>
-    </p:spTree>
-    <p:extLst>
-      <p:ext uri="{BB962C8B-B14F-4D97-AF65-F5344CB8AC3E}">
-        <p14:creationId xmlns:p14="http://schemas.microsoft.com/office/powerpoint/2010/main" val="335263634"/>
-      </p:ext>
-    </p:extLst>
-  </p:cSld>
-  <p:clrMapOvr>
-    <a:masterClrMapping/>
-  </p:clrMapOvr>
-</p:sld>
-</file>
-
-<file path=ppt/slides/slide6.xml><?xml version="1.0" encoding="utf-8"?>
-<p:sld xmlns:a="http://schemas.openxmlformats.org/drawingml/2006/main" xmlns:r="http://schemas.openxmlformats.org/officeDocument/2006/relationships" xmlns:p="http://schemas.openxmlformats.org/presentationml/2006/main">
-  <p:cSld>
-    <p:spTree>
-      <p:nvGrpSpPr>
-        <p:cNvPr id="1" name=""/>
-        <p:cNvGrpSpPr/>
-        <p:nvPr/>
-      </p:nvGrpSpPr>
-      <p:grpSpPr>
-        <a:xfrm>
-          <a:off x="0" y="0"/>
-          <a:ext cx="0" cy="0"/>
-          <a:chOff x="0" y="0"/>
-          <a:chExt cx="0" cy="0"/>
-        </a:xfrm>
-      </p:grpSpPr>
-      <p:sp>
-        <p:nvSpPr>
-          <p:cNvPr id="2" name="Title 1">
-            <a:extLst>
-              <a:ext uri="{FF2B5EF4-FFF2-40B4-BE49-F238E27FC236}">
-                <a16:creationId xmlns:a16="http://schemas.microsoft.com/office/drawing/2014/main" xmlns="" id="{D9FAEBDC-A2BA-DD49-A3D5-CEC8C4FB07AF}"/>
+                <a16:creationId xmlns:a16="http://schemas.microsoft.com/office/drawing/2014/main" id="{D9FAEBDC-A2BA-DD49-A3D5-CEC8C4FB07AF}"/>
               </a:ext>
             </a:extLst>
           </p:cNvPr>
@@ -14296,7 +13184,7 @@
           <p:cNvPr id="4" name="Content Placeholder 3">
             <a:extLst>
               <a:ext uri="{FF2B5EF4-FFF2-40B4-BE49-F238E27FC236}">
-                <a16:creationId xmlns:a16="http://schemas.microsoft.com/office/drawing/2014/main" xmlns="" id="{8BA2D317-3FAB-BD44-8E4D-EF038A837A4F}"/>
+                <a16:creationId xmlns:a16="http://schemas.microsoft.com/office/drawing/2014/main" id="{8BA2D317-3FAB-BD44-8E4D-EF038A837A4F}"/>
               </a:ext>
             </a:extLst>
           </p:cNvPr>
@@ -14326,14 +13214,14 @@
                 <a:gridCol w="3449782">
                   <a:extLst>
                     <a:ext uri="{9D8B030D-6E8A-4147-A177-3AD203B41FA5}">
-                      <a16:colId xmlns:a16="http://schemas.microsoft.com/office/drawing/2014/main" xmlns="" val="3868842274"/>
+                      <a16:colId xmlns:a16="http://schemas.microsoft.com/office/drawing/2014/main" val="3868842274"/>
                     </a:ext>
                   </a:extLst>
                 </a:gridCol>
                 <a:gridCol w="2874818">
                   <a:extLst>
                     <a:ext uri="{9D8B030D-6E8A-4147-A177-3AD203B41FA5}">
-                      <a16:colId xmlns:a16="http://schemas.microsoft.com/office/drawing/2014/main" xmlns="" val="21745443"/>
+                      <a16:colId xmlns:a16="http://schemas.microsoft.com/office/drawing/2014/main" val="21745443"/>
                     </a:ext>
                   </a:extLst>
                 </a:gridCol>
@@ -14375,7 +13263,7 @@
                 </a:tc>
                 <a:extLst>
                   <a:ext uri="{0D108BD9-81ED-4DB2-BD59-A6C34878D82A}">
-                    <a16:rowId xmlns:a16="http://schemas.microsoft.com/office/drawing/2014/main" xmlns="" val="1327100232"/>
+                    <a16:rowId xmlns:a16="http://schemas.microsoft.com/office/drawing/2014/main" val="1327100232"/>
                   </a:ext>
                 </a:extLst>
               </a:tr>
@@ -14408,7 +13296,7 @@
                 </a:tc>
                 <a:extLst>
                   <a:ext uri="{0D108BD9-81ED-4DB2-BD59-A6C34878D82A}">
-                    <a16:rowId xmlns:a16="http://schemas.microsoft.com/office/drawing/2014/main" xmlns="" val="3324563100"/>
+                    <a16:rowId xmlns:a16="http://schemas.microsoft.com/office/drawing/2014/main" val="3324563100"/>
                   </a:ext>
                 </a:extLst>
               </a:tr>
@@ -14441,7 +13329,7 @@
                 </a:tc>
                 <a:extLst>
                   <a:ext uri="{0D108BD9-81ED-4DB2-BD59-A6C34878D82A}">
-                    <a16:rowId xmlns:a16="http://schemas.microsoft.com/office/drawing/2014/main" xmlns="" val="1841024405"/>
+                    <a16:rowId xmlns:a16="http://schemas.microsoft.com/office/drawing/2014/main" val="1841024405"/>
                   </a:ext>
                 </a:extLst>
               </a:tr>
@@ -14475,7 +13363,7 @@
                 </a:tc>
                 <a:extLst>
                   <a:ext uri="{0D108BD9-81ED-4DB2-BD59-A6C34878D82A}">
-                    <a16:rowId xmlns:a16="http://schemas.microsoft.com/office/drawing/2014/main" xmlns="" val="679856182"/>
+                    <a16:rowId xmlns:a16="http://schemas.microsoft.com/office/drawing/2014/main" val="679856182"/>
                   </a:ext>
                 </a:extLst>
               </a:tr>
@@ -14508,7 +13396,7 @@
                 </a:tc>
                 <a:extLst>
                   <a:ext uri="{0D108BD9-81ED-4DB2-BD59-A6C34878D82A}">
-                    <a16:rowId xmlns:a16="http://schemas.microsoft.com/office/drawing/2014/main" xmlns="" val="678726645"/>
+                    <a16:rowId xmlns:a16="http://schemas.microsoft.com/office/drawing/2014/main" val="678726645"/>
                   </a:ext>
                 </a:extLst>
               </a:tr>
@@ -14541,7 +13429,7 @@
                 </a:tc>
                 <a:extLst>
                   <a:ext uri="{0D108BD9-81ED-4DB2-BD59-A6C34878D82A}">
-                    <a16:rowId xmlns:a16="http://schemas.microsoft.com/office/drawing/2014/main" xmlns="" val="159579063"/>
+                    <a16:rowId xmlns:a16="http://schemas.microsoft.com/office/drawing/2014/main" val="159579063"/>
                   </a:ext>
                 </a:extLst>
               </a:tr>
@@ -14554,7 +13442,7 @@
           <p:cNvPr id="7" name="Right Arrow 6">
             <a:extLst>
               <a:ext uri="{FF2B5EF4-FFF2-40B4-BE49-F238E27FC236}">
-                <a16:creationId xmlns:a16="http://schemas.microsoft.com/office/drawing/2014/main" xmlns="" id="{F605865A-F9AC-F248-A1D6-AE9FFF981B40}"/>
+                <a16:creationId xmlns:a16="http://schemas.microsoft.com/office/drawing/2014/main" id="{F605865A-F9AC-F248-A1D6-AE9FFF981B40}"/>
               </a:ext>
             </a:extLst>
           </p:cNvPr>
@@ -14598,7 +13486,7 @@
           <p:cNvPr id="8" name="TextBox 7">
             <a:extLst>
               <a:ext uri="{FF2B5EF4-FFF2-40B4-BE49-F238E27FC236}">
-                <a16:creationId xmlns:a16="http://schemas.microsoft.com/office/drawing/2014/main" xmlns="" id="{C8CBD812-B9C4-2748-80D5-1FFE95FE6C80}"/>
+                <a16:creationId xmlns:a16="http://schemas.microsoft.com/office/drawing/2014/main" id="{C8CBD812-B9C4-2748-80D5-1FFE95FE6C80}"/>
               </a:ext>
             </a:extLst>
           </p:cNvPr>
@@ -14706,7 +13594,7 @@
 </p:sld>
 </file>
 
-<file path=ppt/slides/slide7.xml><?xml version="1.0" encoding="utf-8"?>
+<file path=ppt/slides/slide6.xml><?xml version="1.0" encoding="utf-8"?>
 <p:sld xmlns:a="http://schemas.openxmlformats.org/drawingml/2006/main" xmlns:r="http://schemas.openxmlformats.org/officeDocument/2006/relationships" xmlns:p="http://schemas.openxmlformats.org/presentationml/2006/main">
   <p:cSld>
     <p:spTree>
@@ -14728,7 +13616,7 @@
           <p:cNvPr id="6" name="Content Placeholder 5">
             <a:extLst>
               <a:ext uri="{FF2B5EF4-FFF2-40B4-BE49-F238E27FC236}">
-                <a16:creationId xmlns:a16="http://schemas.microsoft.com/office/drawing/2014/main" xmlns="" id="{E3689A88-BE95-384B-ABCE-ACB8DEC22A9E}"/>
+                <a16:creationId xmlns:a16="http://schemas.microsoft.com/office/drawing/2014/main" id="{E3689A88-BE95-384B-ABCE-ACB8DEC22A9E}"/>
               </a:ext>
             </a:extLst>
           </p:cNvPr>
@@ -14830,7 +13718,7 @@
           <p:cNvPr id="13" name="Picture 12">
             <a:extLst>
               <a:ext uri="{FF2B5EF4-FFF2-40B4-BE49-F238E27FC236}">
-                <a16:creationId xmlns:a16="http://schemas.microsoft.com/office/drawing/2014/main" xmlns="" id="{BADF108D-E53A-C24E-BF0A-087159D3717C}"/>
+                <a16:creationId xmlns:a16="http://schemas.microsoft.com/office/drawing/2014/main" id="{BADF108D-E53A-C24E-BF0A-087159D3717C}"/>
               </a:ext>
             </a:extLst>
           </p:cNvPr>
@@ -14868,7 +13756,7 @@
 </p:sld>
 </file>
 
-<file path=ppt/slides/slide8.xml><?xml version="1.0" encoding="utf-8"?>
+<file path=ppt/slides/slide7.xml><?xml version="1.0" encoding="utf-8"?>
 <p:sld xmlns:a="http://schemas.openxmlformats.org/drawingml/2006/main" xmlns:r="http://schemas.openxmlformats.org/officeDocument/2006/relationships" xmlns:p="http://schemas.openxmlformats.org/presentationml/2006/main">
   <p:cSld>
     <p:spTree>
@@ -14890,7 +13778,7 @@
           <p:cNvPr id="2" name="Title 1">
             <a:extLst>
               <a:ext uri="{FF2B5EF4-FFF2-40B4-BE49-F238E27FC236}">
-                <a16:creationId xmlns:a16="http://schemas.microsoft.com/office/drawing/2014/main" xmlns="" id="{11424B12-C138-0344-A18E-AD95D8BBD34F}"/>
+                <a16:creationId xmlns:a16="http://schemas.microsoft.com/office/drawing/2014/main" id="{11424B12-C138-0344-A18E-AD95D8BBD34F}"/>
               </a:ext>
             </a:extLst>
           </p:cNvPr>
@@ -14918,7 +13806,7 @@
           <p:cNvPr id="8" name="Picture 7">
             <a:extLst>
               <a:ext uri="{FF2B5EF4-FFF2-40B4-BE49-F238E27FC236}">
-                <a16:creationId xmlns:a16="http://schemas.microsoft.com/office/drawing/2014/main" xmlns="" id="{DB5F56A5-DD5E-0A46-AEB6-4F00ED09C0AC}"/>
+                <a16:creationId xmlns:a16="http://schemas.microsoft.com/office/drawing/2014/main" id="{DB5F56A5-DD5E-0A46-AEB6-4F00ED09C0AC}"/>
               </a:ext>
             </a:extLst>
           </p:cNvPr>
@@ -14954,7 +13842,7 @@
           <p:cNvPr id="13" name="Content Placeholder 2">
             <a:extLst>
               <a:ext uri="{FF2B5EF4-FFF2-40B4-BE49-F238E27FC236}">
-                <a16:creationId xmlns:a16="http://schemas.microsoft.com/office/drawing/2014/main" xmlns="" id="{19593529-21E3-F84D-B066-16B1DDFBDCD2}"/>
+                <a16:creationId xmlns:a16="http://schemas.microsoft.com/office/drawing/2014/main" id="{19593529-21E3-F84D-B066-16B1DDFBDCD2}"/>
               </a:ext>
             </a:extLst>
           </p:cNvPr>
@@ -15011,7 +13899,7 @@
           <p:cNvPr id="14" name="TextBox 13">
             <a:extLst>
               <a:ext uri="{FF2B5EF4-FFF2-40B4-BE49-F238E27FC236}">
-                <a16:creationId xmlns:a16="http://schemas.microsoft.com/office/drawing/2014/main" xmlns="" id="{0A00388D-BBAA-8A49-90B3-E3F936190BEF}"/>
+                <a16:creationId xmlns:a16="http://schemas.microsoft.com/office/drawing/2014/main" id="{0A00388D-BBAA-8A49-90B3-E3F936190BEF}"/>
               </a:ext>
             </a:extLst>
           </p:cNvPr>
@@ -15094,7 +13982,7 @@
 </p:sld>
 </file>
 
-<file path=ppt/slides/slide9.xml><?xml version="1.0" encoding="utf-8"?>
+<file path=ppt/slides/slide8.xml><?xml version="1.0" encoding="utf-8"?>
 <p:sld xmlns:a="http://schemas.openxmlformats.org/drawingml/2006/main" xmlns:r="http://schemas.openxmlformats.org/officeDocument/2006/relationships" xmlns:p="http://schemas.openxmlformats.org/presentationml/2006/main">
   <p:cSld>
     <p:spTree>
@@ -15116,7 +14004,7 @@
           <p:cNvPr id="2" name="Title 1">
             <a:extLst>
               <a:ext uri="{FF2B5EF4-FFF2-40B4-BE49-F238E27FC236}">
-                <a16:creationId xmlns:a16="http://schemas.microsoft.com/office/drawing/2014/main" xmlns="" id="{78C53838-E84B-324B-8075-43A1AB61949F}"/>
+                <a16:creationId xmlns:a16="http://schemas.microsoft.com/office/drawing/2014/main" id="{78C53838-E84B-324B-8075-43A1AB61949F}"/>
               </a:ext>
             </a:extLst>
           </p:cNvPr>
@@ -15158,7 +14046,7 @@
           <p:cNvPr id="3" name="Picture 2">
             <a:extLst>
               <a:ext uri="{FF2B5EF4-FFF2-40B4-BE49-F238E27FC236}">
-                <a16:creationId xmlns:a16="http://schemas.microsoft.com/office/drawing/2014/main" xmlns="" id="{1AF53CE4-1E9B-894E-B4B6-214F87FCCDD1}"/>
+                <a16:creationId xmlns:a16="http://schemas.microsoft.com/office/drawing/2014/main" id="{1AF53CE4-1E9B-894E-B4B6-214F87FCCDD1}"/>
               </a:ext>
             </a:extLst>
           </p:cNvPr>
@@ -15187,6 +14075,521 @@
     <p:extLst>
       <p:ext uri="{BB962C8B-B14F-4D97-AF65-F5344CB8AC3E}">
         <p14:creationId xmlns:p14="http://schemas.microsoft.com/office/powerpoint/2010/main" val="3328223181"/>
+      </p:ext>
+    </p:extLst>
+  </p:cSld>
+  <p:clrMapOvr>
+    <a:masterClrMapping/>
+  </p:clrMapOvr>
+</p:sld>
+</file>
+
+<file path=ppt/slides/slide9.xml><?xml version="1.0" encoding="utf-8"?>
+<p:sld xmlns:a="http://schemas.openxmlformats.org/drawingml/2006/main" xmlns:r="http://schemas.openxmlformats.org/officeDocument/2006/relationships" xmlns:p="http://schemas.openxmlformats.org/presentationml/2006/main">
+  <p:cSld>
+    <p:spTree>
+      <p:nvGrpSpPr>
+        <p:cNvPr id="1" name=""/>
+        <p:cNvGrpSpPr/>
+        <p:nvPr/>
+      </p:nvGrpSpPr>
+      <p:grpSpPr>
+        <a:xfrm>
+          <a:off x="0" y="0"/>
+          <a:ext cx="0" cy="0"/>
+          <a:chOff x="0" y="0"/>
+          <a:chExt cx="0" cy="0"/>
+        </a:xfrm>
+      </p:grpSpPr>
+      <p:pic>
+        <p:nvPicPr>
+          <p:cNvPr id="5" name="Content Placeholder 4">
+            <a:extLst>
+              <a:ext uri="{FF2B5EF4-FFF2-40B4-BE49-F238E27FC236}">
+                <a16:creationId xmlns:a16="http://schemas.microsoft.com/office/drawing/2014/main" id="{A97F3CD8-7C92-E040-9F8B-312DE6351963}"/>
+              </a:ext>
+            </a:extLst>
+          </p:cNvPr>
+          <p:cNvPicPr>
+            <a:picLocks noGrp="1" noChangeAspect="1"/>
+          </p:cNvPicPr>
+          <p:nvPr>
+            <p:ph idx="1"/>
+          </p:nvPr>
+        </p:nvPicPr>
+        <p:blipFill>
+          <a:blip r:embed="rId2"/>
+          <a:stretch>
+            <a:fillRect/>
+          </a:stretch>
+        </p:blipFill>
+        <p:spPr>
+          <a:xfrm>
+            <a:off x="4876800" y="4151944"/>
+            <a:ext cx="3424638" cy="2706056"/>
+          </a:xfrm>
+          <a:prstGeom prst="rect">
+            <a:avLst/>
+          </a:prstGeom>
+        </p:spPr>
+      </p:pic>
+      <p:sp>
+        <p:nvSpPr>
+          <p:cNvPr id="6" name="TextBox 5">
+            <a:extLst>
+              <a:ext uri="{FF2B5EF4-FFF2-40B4-BE49-F238E27FC236}">
+                <a16:creationId xmlns:a16="http://schemas.microsoft.com/office/drawing/2014/main" id="{090A7AFB-78C1-E641-A1D6-A84A6B6C32AD}"/>
+              </a:ext>
+            </a:extLst>
+          </p:cNvPr>
+          <p:cNvSpPr txBox="1"/>
+          <p:nvPr/>
+        </p:nvSpPr>
+        <p:spPr>
+          <a:xfrm>
+            <a:off x="1572129" y="2424704"/>
+            <a:ext cx="1012265" cy="461665"/>
+          </a:xfrm>
+          <a:prstGeom prst="rect">
+            <a:avLst/>
+          </a:prstGeom>
+          <a:noFill/>
+        </p:spPr>
+        <p:txBody>
+          <a:bodyPr wrap="none" rtlCol="0">
+            <a:spAutoFit/>
+          </a:bodyPr>
+          <a:lstStyle/>
+          <a:p>
+            <a:r>
+              <a:rPr lang="x-none" sz="2400" dirty="0">
+                <a:latin typeface="Gill Sans MT" pitchFamily="34" charset="0"/>
+              </a:rPr>
+              <a:t>Before</a:t>
+            </a:r>
+          </a:p>
+        </p:txBody>
+      </p:sp>
+      <p:sp>
+        <p:nvSpPr>
+          <p:cNvPr id="7" name="TextBox 6">
+            <a:extLst>
+              <a:ext uri="{FF2B5EF4-FFF2-40B4-BE49-F238E27FC236}">
+                <a16:creationId xmlns:a16="http://schemas.microsoft.com/office/drawing/2014/main" id="{8F5D0AB3-2DB9-1C4C-90A3-E48E78CE4294}"/>
+              </a:ext>
+            </a:extLst>
+          </p:cNvPr>
+          <p:cNvSpPr txBox="1"/>
+          <p:nvPr/>
+        </p:nvSpPr>
+        <p:spPr>
+          <a:xfrm>
+            <a:off x="1745703" y="5244033"/>
+            <a:ext cx="838691" cy="461665"/>
+          </a:xfrm>
+          <a:prstGeom prst="rect">
+            <a:avLst/>
+          </a:prstGeom>
+          <a:noFill/>
+        </p:spPr>
+        <p:txBody>
+          <a:bodyPr wrap="none" rtlCol="0">
+            <a:spAutoFit/>
+          </a:bodyPr>
+          <a:lstStyle/>
+          <a:p>
+            <a:r>
+              <a:rPr lang="x-none" sz="2400" dirty="0">
+                <a:latin typeface="Gill Sans MT" pitchFamily="34" charset="0"/>
+              </a:rPr>
+              <a:t>After</a:t>
+            </a:r>
+          </a:p>
+        </p:txBody>
+      </p:sp>
+      <p:grpSp>
+        <p:nvGrpSpPr>
+          <p:cNvPr id="11" name="Group 10">
+            <a:extLst>
+              <a:ext uri="{FF2B5EF4-FFF2-40B4-BE49-F238E27FC236}">
+                <a16:creationId xmlns:a16="http://schemas.microsoft.com/office/drawing/2014/main" id="{A20BD086-B2C5-2F43-AA0D-E68518F65F89}"/>
+              </a:ext>
+            </a:extLst>
+          </p:cNvPr>
+          <p:cNvGrpSpPr/>
+          <p:nvPr/>
+        </p:nvGrpSpPr>
+        <p:grpSpPr>
+          <a:xfrm>
+            <a:off x="2497608" y="1589853"/>
+            <a:ext cx="5321640" cy="2601148"/>
+            <a:chOff x="3122448" y="304800"/>
+            <a:chExt cx="5321640" cy="2601148"/>
+          </a:xfrm>
+        </p:grpSpPr>
+        <p:pic>
+          <p:nvPicPr>
+            <p:cNvPr id="4" name="Picture 3">
+              <a:extLst>
+                <a:ext uri="{FF2B5EF4-FFF2-40B4-BE49-F238E27FC236}">
+                  <a16:creationId xmlns:a16="http://schemas.microsoft.com/office/drawing/2014/main" id="{6EC6141C-C0AD-634C-BDED-6F287E1DC4C8}"/>
+                </a:ext>
+              </a:extLst>
+            </p:cNvPr>
+            <p:cNvPicPr>
+              <a:picLocks noChangeAspect="1"/>
+            </p:cNvPicPr>
+            <p:nvPr/>
+          </p:nvPicPr>
+          <p:blipFill rotWithShape="1">
+            <a:blip r:embed="rId3"/>
+            <a:srcRect b="14010"/>
+            <a:stretch/>
+          </p:blipFill>
+          <p:spPr>
+            <a:xfrm>
+              <a:off x="3122448" y="304800"/>
+              <a:ext cx="5321640" cy="2601148"/>
+            </a:xfrm>
+            <a:prstGeom prst="rect">
+              <a:avLst/>
+            </a:prstGeom>
+          </p:spPr>
+        </p:pic>
+        <p:sp>
+          <p:nvSpPr>
+            <p:cNvPr id="8" name="Right Arrow 7">
+              <a:extLst>
+                <a:ext uri="{FF2B5EF4-FFF2-40B4-BE49-F238E27FC236}">
+                  <a16:creationId xmlns:a16="http://schemas.microsoft.com/office/drawing/2014/main" id="{27640296-D9C2-C947-BDB1-4E510C3D54E9}"/>
+                </a:ext>
+              </a:extLst>
+            </p:cNvPr>
+            <p:cNvSpPr/>
+            <p:nvPr/>
+          </p:nvSpPr>
+          <p:spPr>
+            <a:xfrm>
+              <a:off x="5425440" y="1450032"/>
+              <a:ext cx="609600" cy="302568"/>
+            </a:xfrm>
+            <a:prstGeom prst="rightArrow">
+              <a:avLst/>
+            </a:prstGeom>
+          </p:spPr>
+          <p:style>
+            <a:lnRef idx="1">
+              <a:schemeClr val="accent1"/>
+            </a:lnRef>
+            <a:fillRef idx="3">
+              <a:schemeClr val="accent1"/>
+            </a:fillRef>
+            <a:effectRef idx="2">
+              <a:schemeClr val="accent1"/>
+            </a:effectRef>
+            <a:fontRef idx="minor">
+              <a:schemeClr val="lt1"/>
+            </a:fontRef>
+          </p:style>
+          <p:txBody>
+            <a:bodyPr rtlCol="0" anchor="ctr"/>
+            <a:lstStyle/>
+            <a:p>
+              <a:pPr algn="ctr"/>
+              <a:endParaRPr lang="x-none"/>
+            </a:p>
+          </p:txBody>
+        </p:sp>
+        <p:sp>
+          <p:nvSpPr>
+            <p:cNvPr id="9" name="TextBox 8">
+              <a:extLst>
+                <a:ext uri="{FF2B5EF4-FFF2-40B4-BE49-F238E27FC236}">
+                  <a16:creationId xmlns:a16="http://schemas.microsoft.com/office/drawing/2014/main" id="{B399F485-9663-1349-A80F-64BEA4AE5D00}"/>
+                </a:ext>
+              </a:extLst>
+            </p:cNvPr>
+            <p:cNvSpPr txBox="1"/>
+            <p:nvPr/>
+          </p:nvSpPr>
+          <p:spPr>
+            <a:xfrm>
+              <a:off x="5327117" y="827623"/>
+              <a:ext cx="806246" cy="523220"/>
+            </a:xfrm>
+            <a:prstGeom prst="rect">
+              <a:avLst/>
+            </a:prstGeom>
+            <a:noFill/>
+          </p:spPr>
+          <p:txBody>
+            <a:bodyPr wrap="none" rtlCol="0">
+              <a:spAutoFit/>
+            </a:bodyPr>
+            <a:lstStyle/>
+            <a:p>
+              <a:r>
+                <a:rPr lang="x-none" sz="1400" i="1" dirty="0">
+                  <a:latin typeface="Gill Sans MT" pitchFamily="34" charset="0"/>
+                </a:rPr>
+                <a:t>Minimize</a:t>
+              </a:r>
+              <a:br>
+                <a:rPr lang="x-none" sz="1400" i="1" dirty="0">
+                  <a:latin typeface="Gill Sans MT" pitchFamily="34" charset="0"/>
+                </a:rPr>
+              </a:br>
+              <a:r>
+                <a:rPr lang="x-none" sz="1400" i="1" dirty="0">
+                  <a:latin typeface="Gill Sans MT" pitchFamily="34" charset="0"/>
+                </a:rPr>
+                <a:t>RMSD</a:t>
+              </a:r>
+            </a:p>
+          </p:txBody>
+        </p:sp>
+      </p:grpSp>
+      <p:sp>
+        <p:nvSpPr>
+          <p:cNvPr id="10" name="Title 1">
+            <a:extLst>
+              <a:ext uri="{FF2B5EF4-FFF2-40B4-BE49-F238E27FC236}">
+                <a16:creationId xmlns:a16="http://schemas.microsoft.com/office/drawing/2014/main" id="{1A3F345D-2815-7841-9E94-6734E645113D}"/>
+              </a:ext>
+            </a:extLst>
+          </p:cNvPr>
+          <p:cNvSpPr>
+            <a:spLocks noGrp="1"/>
+          </p:cNvSpPr>
+          <p:nvPr>
+            <p:ph type="title"/>
+          </p:nvPr>
+        </p:nvSpPr>
+        <p:spPr>
+          <a:xfrm>
+            <a:off x="838200" y="90499"/>
+            <a:ext cx="2895600" cy="868362"/>
+          </a:xfrm>
+        </p:spPr>
+        <p:txBody>
+          <a:bodyPr/>
+          <a:lstStyle/>
+          <a:p>
+            <a:pPr algn="ctr"/>
+            <a:r>
+              <a:rPr lang="x-none" dirty="0"/>
+              <a:t>Alignment</a:t>
+            </a:r>
+          </a:p>
+        </p:txBody>
+      </p:sp>
+      <p:sp>
+        <p:nvSpPr>
+          <p:cNvPr id="12" name="Content Placeholder 2">
+            <a:extLst>
+              <a:ext uri="{FF2B5EF4-FFF2-40B4-BE49-F238E27FC236}">
+                <a16:creationId xmlns:a16="http://schemas.microsoft.com/office/drawing/2014/main" id="{F94DCB7D-C541-ED42-9B58-7B871A2EDBE3}"/>
+              </a:ext>
+            </a:extLst>
+          </p:cNvPr>
+          <p:cNvSpPr txBox="1">
+            <a:spLocks/>
+          </p:cNvSpPr>
+          <p:nvPr/>
+        </p:nvSpPr>
+        <p:spPr>
+          <a:xfrm>
+            <a:off x="4648200" y="245177"/>
+            <a:ext cx="4419600" cy="1375617"/>
+          </a:xfrm>
+          <a:prstGeom prst="rect">
+            <a:avLst/>
+          </a:prstGeom>
+        </p:spPr>
+        <p:txBody>
+          <a:bodyPr vert="horz" lIns="91440" tIns="45720" rIns="91440" bIns="45720" rtlCol="0">
+            <a:normAutofit/>
+          </a:bodyPr>
+          <a:lstStyle>
+            <a:lvl1pPr marL="342900" indent="-342900" algn="l" defTabSz="457200" rtl="0" eaLnBrk="1" latinLnBrk="0" hangingPunct="1">
+              <a:spcBef>
+                <a:spcPct val="20000"/>
+              </a:spcBef>
+              <a:buFont typeface="Arial"/>
+              <a:buChar char="•"/>
+              <a:defRPr sz="3200" kern="1200">
+                <a:solidFill>
+                  <a:schemeClr val="tx1"/>
+                </a:solidFill>
+                <a:latin typeface="Gill Sans MT"/>
+                <a:ea typeface="+mn-ea"/>
+                <a:cs typeface="Gill Sans MT"/>
+              </a:defRPr>
+            </a:lvl1pPr>
+            <a:lvl2pPr marL="742950" indent="-285750" algn="l" defTabSz="457200" rtl="0" eaLnBrk="1" latinLnBrk="0" hangingPunct="1">
+              <a:spcBef>
+                <a:spcPct val="20000"/>
+              </a:spcBef>
+              <a:buFont typeface="Arial"/>
+              <a:buChar char="–"/>
+              <a:defRPr sz="2800" kern="1200">
+                <a:solidFill>
+                  <a:schemeClr val="tx1"/>
+                </a:solidFill>
+                <a:latin typeface="Gill Sans MT"/>
+                <a:ea typeface="+mn-ea"/>
+                <a:cs typeface="Gill Sans MT"/>
+              </a:defRPr>
+            </a:lvl2pPr>
+            <a:lvl3pPr marL="1143000" indent="-228600" algn="l" defTabSz="457200" rtl="0" eaLnBrk="1" latinLnBrk="0" hangingPunct="1">
+              <a:spcBef>
+                <a:spcPct val="20000"/>
+              </a:spcBef>
+              <a:buFont typeface="Arial"/>
+              <a:buChar char="•"/>
+              <a:defRPr sz="2400" kern="1200">
+                <a:solidFill>
+                  <a:schemeClr val="tx1"/>
+                </a:solidFill>
+                <a:latin typeface="Gill Sans MT"/>
+                <a:ea typeface="+mn-ea"/>
+                <a:cs typeface="Gill Sans MT"/>
+              </a:defRPr>
+            </a:lvl3pPr>
+            <a:lvl4pPr marL="1600200" indent="-228600" algn="l" defTabSz="457200" rtl="0" eaLnBrk="1" latinLnBrk="0" hangingPunct="1">
+              <a:spcBef>
+                <a:spcPct val="20000"/>
+              </a:spcBef>
+              <a:buFont typeface="Arial"/>
+              <a:buChar char="–"/>
+              <a:defRPr sz="2000" kern="1200">
+                <a:solidFill>
+                  <a:schemeClr val="tx1"/>
+                </a:solidFill>
+                <a:latin typeface="Gill Sans MT"/>
+                <a:ea typeface="+mn-ea"/>
+                <a:cs typeface="Gill Sans MT"/>
+              </a:defRPr>
+            </a:lvl4pPr>
+            <a:lvl5pPr marL="2057400" indent="-228600" algn="l" defTabSz="457200" rtl="0" eaLnBrk="1" latinLnBrk="0" hangingPunct="1">
+              <a:spcBef>
+                <a:spcPct val="20000"/>
+              </a:spcBef>
+              <a:buFont typeface="Arial"/>
+              <a:buChar char="»"/>
+              <a:defRPr sz="2000" kern="1200">
+                <a:solidFill>
+                  <a:schemeClr val="tx1"/>
+                </a:solidFill>
+                <a:latin typeface="Gill Sans MT"/>
+                <a:ea typeface="+mn-ea"/>
+                <a:cs typeface="Gill Sans MT"/>
+              </a:defRPr>
+            </a:lvl5pPr>
+            <a:lvl6pPr marL="2514600" indent="-228600" algn="l" defTabSz="457200" rtl="0" eaLnBrk="1" latinLnBrk="0" hangingPunct="1">
+              <a:spcBef>
+                <a:spcPct val="20000"/>
+              </a:spcBef>
+              <a:buFont typeface="Arial"/>
+              <a:buChar char="•"/>
+              <a:defRPr sz="2000" kern="1200">
+                <a:solidFill>
+                  <a:schemeClr val="tx1"/>
+                </a:solidFill>
+                <a:latin typeface="+mn-lt"/>
+                <a:ea typeface="+mn-ea"/>
+                <a:cs typeface="+mn-cs"/>
+              </a:defRPr>
+            </a:lvl6pPr>
+            <a:lvl7pPr marL="2971800" indent="-228600" algn="l" defTabSz="457200" rtl="0" eaLnBrk="1" latinLnBrk="0" hangingPunct="1">
+              <a:spcBef>
+                <a:spcPct val="20000"/>
+              </a:spcBef>
+              <a:buFont typeface="Arial"/>
+              <a:buChar char="•"/>
+              <a:defRPr sz="2000" kern="1200">
+                <a:solidFill>
+                  <a:schemeClr val="tx1"/>
+                </a:solidFill>
+                <a:latin typeface="+mn-lt"/>
+                <a:ea typeface="+mn-ea"/>
+                <a:cs typeface="+mn-cs"/>
+              </a:defRPr>
+            </a:lvl7pPr>
+            <a:lvl8pPr marL="3429000" indent="-228600" algn="l" defTabSz="457200" rtl="0" eaLnBrk="1" latinLnBrk="0" hangingPunct="1">
+              <a:spcBef>
+                <a:spcPct val="20000"/>
+              </a:spcBef>
+              <a:buFont typeface="Arial"/>
+              <a:buChar char="•"/>
+              <a:defRPr sz="2000" kern="1200">
+                <a:solidFill>
+                  <a:schemeClr val="tx1"/>
+                </a:solidFill>
+                <a:latin typeface="+mn-lt"/>
+                <a:ea typeface="+mn-ea"/>
+                <a:cs typeface="+mn-cs"/>
+              </a:defRPr>
+            </a:lvl8pPr>
+            <a:lvl9pPr marL="3886200" indent="-228600" algn="l" defTabSz="457200" rtl="0" eaLnBrk="1" latinLnBrk="0" hangingPunct="1">
+              <a:spcBef>
+                <a:spcPct val="20000"/>
+              </a:spcBef>
+              <a:buFont typeface="Arial"/>
+              <a:buChar char="•"/>
+              <a:defRPr sz="2000" kern="1200">
+                <a:solidFill>
+                  <a:schemeClr val="tx1"/>
+                </a:solidFill>
+                <a:latin typeface="+mn-lt"/>
+                <a:ea typeface="+mn-ea"/>
+                <a:cs typeface="+mn-cs"/>
+              </a:defRPr>
+            </a:lvl9pPr>
+          </a:lstStyle>
+          <a:p>
+            <a:pPr marL="0" indent="0" algn="ctr" fontAlgn="auto">
+              <a:spcAft>
+                <a:spcPts val="0"/>
+              </a:spcAft>
+              <a:buFont typeface="Arial"/>
+              <a:buNone/>
+            </a:pPr>
+            <a:r>
+              <a:rPr lang="x-none" sz="2000" dirty="0"/>
+              <a:t>Calculations are often performed </a:t>
+            </a:r>
+            <a:r>
+              <a:rPr lang="x-none" sz="2000" i="1" dirty="0"/>
+              <a:t>after</a:t>
+            </a:r>
+            <a:r>
+              <a:rPr lang="x-none" sz="2000" dirty="0"/>
+              <a:t> a rigid transformation which </a:t>
+            </a:r>
+            <a:r>
+              <a:rPr lang="x-none" sz="2000" i="1" dirty="0"/>
+              <a:t>optimally</a:t>
+            </a:r>
+            <a:r>
+              <a:rPr lang="x-none" sz="2000" dirty="0"/>
+              <a:t> superimposes two structures (or two frames). </a:t>
+            </a:r>
+            <a:r>
+              <a:rPr lang="x-none" sz="2000" dirty="0">
+                <a:solidFill>
+                  <a:schemeClr val="tx2"/>
+                </a:solidFill>
+              </a:rPr>
+              <a:t>It removes diffusion.</a:t>
+            </a:r>
+          </a:p>
+        </p:txBody>
+      </p:sp>
+    </p:spTree>
+    <p:extLst>
+      <p:ext uri="{BB962C8B-B14F-4D97-AF65-F5344CB8AC3E}">
+        <p14:creationId xmlns:p14="http://schemas.microsoft.com/office/powerpoint/2010/main" val="589922263"/>
       </p:ext>
     </p:extLst>
   </p:cSld>
